--- a/宣道詩/(宣道詩82)惟要靠主.pptx
+++ b/宣道詩/(宣道詩82)惟要靠主.pptx
@@ -5,14 +5,23 @@
     <p:sldMasterId id="2147483660" r:id="rId1"/>
   </p:sldMasterIdLst>
   <p:sldIdLst>
-    <p:sldId id="257" r:id="rId2"/>
-    <p:sldId id="258" r:id="rId3"/>
-    <p:sldId id="259" r:id="rId4"/>
-    <p:sldId id="260" r:id="rId5"/>
-    <p:sldId id="261" r:id="rId6"/>
-    <p:sldId id="262" r:id="rId7"/>
-    <p:sldId id="263" r:id="rId8"/>
-    <p:sldId id="264" r:id="rId9"/>
+    <p:sldId id="265" r:id="rId2"/>
+    <p:sldId id="266" r:id="rId3"/>
+    <p:sldId id="267" r:id="rId4"/>
+    <p:sldId id="268" r:id="rId5"/>
+    <p:sldId id="269" r:id="rId6"/>
+    <p:sldId id="270" r:id="rId7"/>
+    <p:sldId id="271" r:id="rId8"/>
+    <p:sldId id="272" r:id="rId9"/>
+    <p:sldId id="273" r:id="rId10"/>
+    <p:sldId id="274" r:id="rId11"/>
+    <p:sldId id="275" r:id="rId12"/>
+    <p:sldId id="276" r:id="rId13"/>
+    <p:sldId id="277" r:id="rId14"/>
+    <p:sldId id="278" r:id="rId15"/>
+    <p:sldId id="279" r:id="rId16"/>
+    <p:sldId id="280" r:id="rId17"/>
+    <p:sldId id="281" r:id="rId18"/>
   </p:sldIdLst>
   <p:sldSz cx="12192000" cy="6858000"/>
   <p:notesSz cx="6858000" cy="9144000"/>
@@ -111,6 +120,11 @@
       </a:defRPr>
     </a:lvl9pPr>
   </p:defaultTextStyle>
+  <p:extLst>
+    <p:ext uri="{EFAFB233-063F-42B5-8137-9DF3F51BA10A}">
+      <p15:sldGuideLst xmlns:p15="http://schemas.microsoft.com/office/powerpoint/2012/main"/>
+    </p:ext>
+  </p:extLst>
 </p:presentation>
 </file>
 
@@ -295,7 +309,7 @@
           <a:p>
             <a:fld id="{14639463-21C0-4275-9DB2-A756E33E7AC3}" type="datetimeFigureOut">
               <a:rPr lang="vi-VN" smtClean="0"/>
-              <a:t>01/05/2020</a:t>
+              <a:t>01/06/2021</a:t>
             </a:fld>
             <a:endParaRPr lang="vi-VN"/>
           </a:p>
@@ -465,7 +479,7 @@
           <a:p>
             <a:fld id="{14639463-21C0-4275-9DB2-A756E33E7AC3}" type="datetimeFigureOut">
               <a:rPr lang="vi-VN" smtClean="0"/>
-              <a:t>01/05/2020</a:t>
+              <a:t>01/06/2021</a:t>
             </a:fld>
             <a:endParaRPr lang="vi-VN"/>
           </a:p>
@@ -645,7 +659,7 @@
           <a:p>
             <a:fld id="{14639463-21C0-4275-9DB2-A756E33E7AC3}" type="datetimeFigureOut">
               <a:rPr lang="vi-VN" smtClean="0"/>
-              <a:t>01/05/2020</a:t>
+              <a:t>01/06/2021</a:t>
             </a:fld>
             <a:endParaRPr lang="vi-VN"/>
           </a:p>
@@ -815,7 +829,7 @@
           <a:p>
             <a:fld id="{14639463-21C0-4275-9DB2-A756E33E7AC3}" type="datetimeFigureOut">
               <a:rPr lang="vi-VN" smtClean="0"/>
-              <a:t>01/05/2020</a:t>
+              <a:t>01/06/2021</a:t>
             </a:fld>
             <a:endParaRPr lang="vi-VN"/>
           </a:p>
@@ -1061,7 +1075,7 @@
           <a:p>
             <a:fld id="{14639463-21C0-4275-9DB2-A756E33E7AC3}" type="datetimeFigureOut">
               <a:rPr lang="vi-VN" smtClean="0"/>
-              <a:t>01/05/2020</a:t>
+              <a:t>01/06/2021</a:t>
             </a:fld>
             <a:endParaRPr lang="vi-VN"/>
           </a:p>
@@ -1349,7 +1363,7 @@
           <a:p>
             <a:fld id="{14639463-21C0-4275-9DB2-A756E33E7AC3}" type="datetimeFigureOut">
               <a:rPr lang="vi-VN" smtClean="0"/>
-              <a:t>01/05/2020</a:t>
+              <a:t>01/06/2021</a:t>
             </a:fld>
             <a:endParaRPr lang="vi-VN"/>
           </a:p>
@@ -1771,7 +1785,7 @@
           <a:p>
             <a:fld id="{14639463-21C0-4275-9DB2-A756E33E7AC3}" type="datetimeFigureOut">
               <a:rPr lang="vi-VN" smtClean="0"/>
-              <a:t>01/05/2020</a:t>
+              <a:t>01/06/2021</a:t>
             </a:fld>
             <a:endParaRPr lang="vi-VN"/>
           </a:p>
@@ -1889,7 +1903,7 @@
           <a:p>
             <a:fld id="{14639463-21C0-4275-9DB2-A756E33E7AC3}" type="datetimeFigureOut">
               <a:rPr lang="vi-VN" smtClean="0"/>
-              <a:t>01/05/2020</a:t>
+              <a:t>01/06/2021</a:t>
             </a:fld>
             <a:endParaRPr lang="vi-VN"/>
           </a:p>
@@ -1984,7 +1998,7 @@
           <a:p>
             <a:fld id="{14639463-21C0-4275-9DB2-A756E33E7AC3}" type="datetimeFigureOut">
               <a:rPr lang="vi-VN" smtClean="0"/>
-              <a:t>01/05/2020</a:t>
+              <a:t>01/06/2021</a:t>
             </a:fld>
             <a:endParaRPr lang="vi-VN"/>
           </a:p>
@@ -2261,7 +2275,7 @@
           <a:p>
             <a:fld id="{14639463-21C0-4275-9DB2-A756E33E7AC3}" type="datetimeFigureOut">
               <a:rPr lang="vi-VN" smtClean="0"/>
-              <a:t>01/05/2020</a:t>
+              <a:t>01/06/2021</a:t>
             </a:fld>
             <a:endParaRPr lang="vi-VN"/>
           </a:p>
@@ -2518,7 +2532,7 @@
           <a:p>
             <a:fld id="{14639463-21C0-4275-9DB2-A756E33E7AC3}" type="datetimeFigureOut">
               <a:rPr lang="vi-VN" smtClean="0"/>
-              <a:t>01/05/2020</a:t>
+              <a:t>01/06/2021</a:t>
             </a:fld>
             <a:endParaRPr lang="vi-VN"/>
           </a:p>
@@ -2736,7 +2750,7 @@
           <a:p>
             <a:fld id="{14639463-21C0-4275-9DB2-A756E33E7AC3}" type="datetimeFigureOut">
               <a:rPr lang="vi-VN" smtClean="0"/>
-              <a:t>01/05/2020</a:t>
+              <a:t>01/06/2021</a:t>
             </a:fld>
             <a:endParaRPr lang="vi-VN"/>
           </a:p>
@@ -3113,7 +3127,7 @@
       </p:grpSpPr>
       <p:sp>
         <p:nvSpPr>
-          <p:cNvPr id="2" name="Title 1"/>
+          <p:cNvPr id="4" name="標題 3"/>
           <p:cNvSpPr>
             <a:spLocks noGrp="1"/>
           </p:cNvSpPr>
@@ -3121,54 +3135,212 @@
             <p:ph type="title"/>
           </p:nvPr>
         </p:nvSpPr>
-        <p:spPr/>
+        <p:spPr>
+          <a:xfrm>
+            <a:off x="0" y="2660915"/>
+            <a:ext cx="12192000" cy="1143000"/>
+          </a:xfrm>
+        </p:spPr>
         <p:txBody>
           <a:bodyPr>
+            <a:noAutofit/>
+          </a:bodyPr>
+          <a:lstStyle/>
+          <a:p>
+            <a:r>
+              <a:rPr lang="zh-CN" altLang="en-US" sz="5333" b="1" u="sng" dirty="0">
+                <a:solidFill>
+                  <a:srgbClr val="000066"/>
+                </a:solidFill>
+                <a:effectLst>
+                  <a:outerShdw blurRad="38100" dist="38100" dir="2700000" algn="tl">
+                    <a:srgbClr val="000000">
+                      <a:alpha val="43137"/>
+                    </a:srgbClr>
+                  </a:outerShdw>
+                </a:effectLst>
+                <a:latin typeface="微軟正黑體" pitchFamily="34" charset="-120"/>
+                <a:ea typeface="微軟正黑體" pitchFamily="34" charset="-120"/>
+              </a:rPr>
+              <a:t>宣道詩 </a:t>
+            </a:r>
+            <a:r>
+              <a:rPr lang="en-US" altLang="zh-CN" sz="5333" b="1" u="sng" dirty="0" smtClean="0">
+                <a:solidFill>
+                  <a:srgbClr val="000066"/>
+                </a:solidFill>
+                <a:effectLst>
+                  <a:outerShdw blurRad="38100" dist="38100" dir="2700000" algn="tl">
+                    <a:srgbClr val="000000">
+                      <a:alpha val="43137"/>
+                    </a:srgbClr>
+                  </a:outerShdw>
+                </a:effectLst>
+                <a:latin typeface="微軟正黑體" pitchFamily="34" charset="-120"/>
+                <a:ea typeface="微軟正黑體" pitchFamily="34" charset="-120"/>
+              </a:rPr>
+              <a:t>82</a:t>
+            </a:r>
+            <a:r>
+              <a:rPr lang="en-US" altLang="zh-CN" sz="7200" b="1" i="1" dirty="0">
+                <a:solidFill>
+                  <a:srgbClr val="660033"/>
+                </a:solidFill>
+                <a:effectLst>
+                  <a:outerShdw blurRad="38100" dist="38100" dir="2700000" algn="tl">
+                    <a:srgbClr val="000000">
+                      <a:alpha val="43137"/>
+                    </a:srgbClr>
+                  </a:outerShdw>
+                </a:effectLst>
+                <a:latin typeface="微軟正黑體" pitchFamily="34" charset="-120"/>
+                <a:ea typeface="微軟正黑體" pitchFamily="34" charset="-120"/>
+              </a:rPr>
+              <a:t/>
+            </a:r>
+            <a:br>
+              <a:rPr lang="en-US" altLang="zh-CN" sz="7200" b="1" i="1" dirty="0">
+                <a:solidFill>
+                  <a:srgbClr val="660033"/>
+                </a:solidFill>
+                <a:effectLst>
+                  <a:outerShdw blurRad="38100" dist="38100" dir="2700000" algn="tl">
+                    <a:srgbClr val="000000">
+                      <a:alpha val="43137"/>
+                    </a:srgbClr>
+                  </a:outerShdw>
+                </a:effectLst>
+                <a:latin typeface="微軟正黑體" pitchFamily="34" charset="-120"/>
+                <a:ea typeface="微軟正黑體" pitchFamily="34" charset="-120"/>
+              </a:rPr>
+            </a:br>
+            <a:r>
+              <a:rPr lang="zh-CN" altLang="en-US" sz="8000" b="1" dirty="0" smtClean="0">
+                <a:solidFill>
+                  <a:srgbClr val="660033"/>
+                </a:solidFill>
+                <a:effectLst>
+                  <a:outerShdw blurRad="38100" dist="38100" dir="2700000" algn="tl">
+                    <a:srgbClr val="000000">
+                      <a:alpha val="43137"/>
+                    </a:srgbClr>
+                  </a:outerShdw>
+                </a:effectLst>
+                <a:latin typeface="微軟正黑體" pitchFamily="34" charset="-120"/>
+                <a:ea typeface="微軟正黑體" pitchFamily="34" charset="-120"/>
+              </a:rPr>
+              <a:t>惟</a:t>
+            </a:r>
+            <a:r>
+              <a:rPr lang="zh-CN" altLang="en-US" sz="8000" b="1" dirty="0">
+                <a:solidFill>
+                  <a:srgbClr val="660033"/>
+                </a:solidFill>
+                <a:effectLst>
+                  <a:outerShdw blurRad="38100" dist="38100" dir="2700000" algn="tl">
+                    <a:srgbClr val="000000">
+                      <a:alpha val="43137"/>
+                    </a:srgbClr>
+                  </a:outerShdw>
+                </a:effectLst>
+                <a:latin typeface="微軟正黑體" pitchFamily="34" charset="-120"/>
+                <a:ea typeface="微軟正黑體" pitchFamily="34" charset="-120"/>
+              </a:rPr>
+              <a:t>要靠主</a:t>
+            </a:r>
+            <a:endParaRPr lang="zh-TW" altLang="en-US" sz="8000" b="1" dirty="0">
+              <a:solidFill>
+                <a:srgbClr val="660033"/>
+              </a:solidFill>
+              <a:effectLst>
+                <a:outerShdw blurRad="38100" dist="38100" dir="2700000" algn="tl">
+                  <a:srgbClr val="000000">
+                    <a:alpha val="43137"/>
+                  </a:srgbClr>
+                </a:outerShdw>
+              </a:effectLst>
+              <a:latin typeface="微軟正黑體" pitchFamily="34" charset="-120"/>
+              <a:ea typeface="微軟正黑體" pitchFamily="34" charset="-120"/>
+            </a:endParaRPr>
+          </a:p>
+        </p:txBody>
+      </p:sp>
+    </p:spTree>
+    <p:extLst>
+      <p:ext uri="{BB962C8B-B14F-4D97-AF65-F5344CB8AC3E}">
+        <p14:creationId xmlns:p14="http://schemas.microsoft.com/office/powerpoint/2010/main" val="2716324592"/>
+      </p:ext>
+    </p:extLst>
+  </p:cSld>
+  <p:clrMapOvr>
+    <a:masterClrMapping/>
+  </p:clrMapOvr>
+  <p:timing>
+    <p:tnLst>
+      <p:par>
+        <p:cTn id="1" dur="indefinite" restart="never" nodeType="tmRoot"/>
+      </p:par>
+    </p:tnLst>
+  </p:timing>
+</p:sld>
+</file>
+
+<file path=ppt/slides/slide10.xml><?xml version="1.0" encoding="utf-8"?>
+<p:sld xmlns:a="http://schemas.openxmlformats.org/drawingml/2006/main" xmlns:r="http://schemas.openxmlformats.org/officeDocument/2006/relationships" xmlns:p="http://schemas.openxmlformats.org/presentationml/2006/main">
+  <p:cSld>
+    <p:spTree>
+      <p:nvGrpSpPr>
+        <p:cNvPr id="1" name=""/>
+        <p:cNvGrpSpPr/>
+        <p:nvPr/>
+      </p:nvGrpSpPr>
+      <p:grpSpPr>
+        <a:xfrm>
+          <a:off x="0" y="0"/>
+          <a:ext cx="0" cy="0"/>
+          <a:chOff x="0" y="0"/>
+          <a:chExt cx="0" cy="0"/>
+        </a:xfrm>
+      </p:grpSpPr>
+      <p:sp>
+        <p:nvSpPr>
+          <p:cNvPr id="5" name="內容版面配置區 4"/>
+          <p:cNvSpPr>
+            <a:spLocks noGrp="1"/>
+          </p:cNvSpPr>
+          <p:nvPr>
+            <p:ph idx="1"/>
+          </p:nvPr>
+        </p:nvSpPr>
+        <p:spPr>
+          <a:xfrm>
+            <a:off x="0" y="2084851"/>
+            <a:ext cx="12192000" cy="2404863"/>
+          </a:xfrm>
+        </p:spPr>
+        <p:txBody>
+          <a:bodyPr anchor="ctr">
             <a:normAutofit/>
           </a:bodyPr>
           <a:lstStyle/>
           <a:p>
-            <a:r>
-              <a:rPr lang="zh-CN" altLang="en-US" sz="4800" b="1" dirty="0" smtClean="0">
+            <a:pPr marL="0" indent="0" algn="ctr">
+              <a:buNone/>
+            </a:pPr>
+            <a:r>
+              <a:rPr lang="zh-CN" altLang="en-US" sz="6600" b="1" dirty="0">
+                <a:solidFill>
+                  <a:srgbClr val="660033"/>
+                </a:solidFill>
                 <a:latin typeface="Microsoft JhengHei" panose="020B0604030504040204" pitchFamily="34" charset="-120"/>
                 <a:ea typeface="Microsoft JhengHei" panose="020B0604030504040204" pitchFamily="34" charset="-120"/>
               </a:rPr>
-              <a:t>惟要靠主</a:t>
-            </a:r>
-            <a:endParaRPr lang="vi-VN" sz="4800" b="1" dirty="0">
-              <a:ea typeface="Microsoft JhengHei" panose="020B0604030504040204" pitchFamily="34" charset="-120"/>
-            </a:endParaRPr>
-          </a:p>
-        </p:txBody>
-      </p:sp>
-      <p:sp>
-        <p:nvSpPr>
-          <p:cNvPr id="3" name="Content Placeholder 2"/>
-          <p:cNvSpPr>
-            <a:spLocks noGrp="1"/>
-          </p:cNvSpPr>
-          <p:nvPr>
-            <p:ph idx="1"/>
-          </p:nvPr>
-        </p:nvSpPr>
-        <p:spPr/>
-        <p:txBody>
-          <a:bodyPr>
-            <a:normAutofit/>
-          </a:bodyPr>
-          <a:lstStyle/>
-          <a:p>
-            <a:pPr marL="0" indent="0" algn="ctr">
-              <a:buNone/>
-            </a:pPr>
-            <a:r>
-              <a:rPr lang="zh-CN" altLang="en-US" sz="5400" b="1" dirty="0" smtClean="0">
-                <a:latin typeface="Microsoft JhengHei" panose="020B0604030504040204" pitchFamily="34" charset="-120"/>
-                <a:ea typeface="Microsoft JhengHei" panose="020B0604030504040204" pitchFamily="34" charset="-120"/>
-              </a:rPr>
-              <a:t>我時刻單依靠主  </a:t>
-            </a:r>
-            <a:endParaRPr lang="en-US" altLang="zh-CN" sz="5400" b="1" dirty="0" smtClean="0">
+              <a:t>路平安當頌主名</a:t>
+            </a:r>
+            <a:endParaRPr lang="en-US" altLang="zh-CN" sz="6600" b="1" dirty="0">
+              <a:solidFill>
+                <a:srgbClr val="660033"/>
+              </a:solidFill>
               <a:latin typeface="Microsoft JhengHei" panose="020B0604030504040204" pitchFamily="34" charset="-120"/>
               <a:ea typeface="Microsoft JhengHei" panose="020B0604030504040204" pitchFamily="34" charset="-120"/>
             </a:endParaRPr>
@@ -3178,68 +3350,35 @@
               <a:buNone/>
             </a:pPr>
             <a:r>
-              <a:rPr lang="zh-CN" altLang="en-US" sz="5400" b="1" dirty="0" smtClean="0">
+              <a:rPr lang="zh-CN" altLang="en-US" sz="6600" b="1" dirty="0">
+                <a:solidFill>
+                  <a:srgbClr val="660033"/>
+                </a:solidFill>
                 <a:latin typeface="Microsoft JhengHei" panose="020B0604030504040204" pitchFamily="34" charset="-120"/>
                 <a:ea typeface="Microsoft JhengHei" panose="020B0604030504040204" pitchFamily="34" charset="-120"/>
               </a:rPr>
-              <a:t>遇難時求主救護</a:t>
-            </a:r>
-            <a:endParaRPr lang="en-US" altLang="zh-CN" sz="5400" b="1" dirty="0" smtClean="0">
+              <a:t>路黑暗有主同行</a:t>
+            </a:r>
+            <a:endParaRPr lang="en-US" altLang="zh-CN" sz="6600" b="1" dirty="0">
+              <a:solidFill>
+                <a:srgbClr val="660033"/>
+              </a:solidFill>
               <a:latin typeface="Microsoft JhengHei" panose="020B0604030504040204" pitchFamily="34" charset="-120"/>
               <a:ea typeface="Microsoft JhengHei" panose="020B0604030504040204" pitchFamily="34" charset="-120"/>
             </a:endParaRPr>
           </a:p>
-          <a:p>
-            <a:pPr marL="0" indent="0" algn="ctr">
-              <a:buNone/>
-            </a:pPr>
-            <a:r>
-              <a:rPr lang="zh-CN" altLang="en-US" sz="5400" b="1" dirty="0">
-                <a:latin typeface="Microsoft JhengHei" panose="020B0604030504040204" pitchFamily="34" charset="-120"/>
-                <a:ea typeface="Microsoft JhengHei" panose="020B0604030504040204" pitchFamily="34" charset="-120"/>
-              </a:rPr>
-              <a:t>我信</a:t>
-            </a:r>
-            <a:r>
-              <a:rPr lang="zh-CN" altLang="en-US" sz="5400" b="1" dirty="0" smtClean="0">
-                <a:latin typeface="Microsoft JhengHei" panose="020B0604030504040204" pitchFamily="34" charset="-120"/>
-                <a:ea typeface="Microsoft JhengHei" panose="020B0604030504040204" pitchFamily="34" charset="-120"/>
-              </a:rPr>
-              <a:t>心雖還不足  </a:t>
-            </a:r>
-            <a:endParaRPr lang="en-US" altLang="zh-CN" sz="5400" b="1" dirty="0" smtClean="0">
-              <a:latin typeface="Microsoft JhengHei" panose="020B0604030504040204" pitchFamily="34" charset="-120"/>
-              <a:ea typeface="Microsoft JhengHei" panose="020B0604030504040204" pitchFamily="34" charset="-120"/>
-            </a:endParaRPr>
-          </a:p>
-          <a:p>
-            <a:pPr marL="0" indent="0" algn="ctr">
-              <a:buNone/>
-            </a:pPr>
-            <a:r>
-              <a:rPr lang="zh-CN" altLang="en-US" sz="5400" b="1" dirty="0" smtClean="0">
-                <a:latin typeface="Microsoft JhengHei" panose="020B0604030504040204" pitchFamily="34" charset="-120"/>
-                <a:ea typeface="Microsoft JhengHei" panose="020B0604030504040204" pitchFamily="34" charset="-120"/>
-              </a:rPr>
-              <a:t>惟要靠我主引路</a:t>
-            </a:r>
-            <a:endParaRPr lang="en-US" altLang="zh-CN" sz="5400" b="1" dirty="0" smtClean="0">
-              <a:latin typeface="Microsoft JhengHei" panose="020B0604030504040204" pitchFamily="34" charset="-120"/>
-              <a:ea typeface="Microsoft JhengHei" panose="020B0604030504040204" pitchFamily="34" charset="-120"/>
-            </a:endParaRPr>
-          </a:p>
-        </p:txBody>
-      </p:sp>
-      <p:sp>
-        <p:nvSpPr>
-          <p:cNvPr id="4" name="TextBox 3"/>
+        </p:txBody>
+      </p:sp>
+      <p:sp>
+        <p:nvSpPr>
+          <p:cNvPr id="3" name="TextBox 2"/>
           <p:cNvSpPr txBox="1"/>
           <p:nvPr/>
         </p:nvSpPr>
         <p:spPr>
           <a:xfrm>
-            <a:off x="1668379" y="1600201"/>
-            <a:ext cx="1122947" cy="1015663"/>
+            <a:off x="0" y="5071885"/>
+            <a:ext cx="12192000" cy="923330"/>
           </a:xfrm>
           <a:prstGeom prst="rect">
             <a:avLst/>
@@ -3252,24 +3391,949 @@
           </a:bodyPr>
           <a:lstStyle/>
           <a:p>
-            <a:r>
-              <a:rPr lang="en-US" sz="6000" b="1" dirty="0" smtClean="0"/>
-              <a:t>1.</a:t>
-            </a:r>
-            <a:endParaRPr lang="vi-VN" sz="6000" b="1" dirty="0"/>
+            <a:pPr algn="ctr"/>
+            <a:r>
+              <a:rPr lang="en-US" sz="5400" b="1" dirty="0" smtClean="0">
+                <a:solidFill>
+                  <a:srgbClr val="660033"/>
+                </a:solidFill>
+              </a:rPr>
+              <a:t>( </a:t>
+            </a:r>
+            <a:r>
+              <a:rPr lang="en-US" sz="5400" b="1" dirty="0" smtClean="0">
+                <a:solidFill>
+                  <a:srgbClr val="660033"/>
+                </a:solidFill>
+              </a:rPr>
+              <a:t>3 </a:t>
+            </a:r>
+            <a:r>
+              <a:rPr lang="en-US" sz="5400" b="1" dirty="0" smtClean="0">
+                <a:solidFill>
+                  <a:srgbClr val="660033"/>
+                </a:solidFill>
+              </a:rPr>
+              <a:t>)</a:t>
+            </a:r>
+            <a:endParaRPr lang="vi-VN" sz="5400" b="1" dirty="0">
+              <a:solidFill>
+                <a:srgbClr val="660033"/>
+              </a:solidFill>
+            </a:endParaRPr>
           </a:p>
         </p:txBody>
       </p:sp>
     </p:spTree>
     <p:extLst>
       <p:ext uri="{BB962C8B-B14F-4D97-AF65-F5344CB8AC3E}">
-        <p14:creationId xmlns:p14="http://schemas.microsoft.com/office/powerpoint/2010/main" val="1712222064"/>
+        <p14:creationId xmlns:p14="http://schemas.microsoft.com/office/powerpoint/2010/main" val="1323600180"/>
       </p:ext>
     </p:extLst>
   </p:cSld>
   <p:clrMapOvr>
     <a:masterClrMapping/>
   </p:clrMapOvr>
+  <p:timing>
+    <p:tnLst>
+      <p:par>
+        <p:cTn id="1" dur="indefinite" restart="never" nodeType="tmRoot"/>
+      </p:par>
+    </p:tnLst>
+  </p:timing>
+</p:sld>
+</file>
+
+<file path=ppt/slides/slide11.xml><?xml version="1.0" encoding="utf-8"?>
+<p:sld xmlns:a="http://schemas.openxmlformats.org/drawingml/2006/main" xmlns:r="http://schemas.openxmlformats.org/officeDocument/2006/relationships" xmlns:p="http://schemas.openxmlformats.org/presentationml/2006/main">
+  <p:cSld>
+    <p:spTree>
+      <p:nvGrpSpPr>
+        <p:cNvPr id="1" name=""/>
+        <p:cNvGrpSpPr/>
+        <p:nvPr/>
+      </p:nvGrpSpPr>
+      <p:grpSpPr>
+        <a:xfrm>
+          <a:off x="0" y="0"/>
+          <a:ext cx="0" cy="0"/>
+          <a:chOff x="0" y="0"/>
+          <a:chExt cx="0" cy="0"/>
+        </a:xfrm>
+      </p:grpSpPr>
+      <p:sp>
+        <p:nvSpPr>
+          <p:cNvPr id="5" name="內容版面配置區 4"/>
+          <p:cNvSpPr>
+            <a:spLocks noGrp="1"/>
+          </p:cNvSpPr>
+          <p:nvPr>
+            <p:ph idx="1"/>
+          </p:nvPr>
+        </p:nvSpPr>
+        <p:spPr>
+          <a:xfrm>
+            <a:off x="0" y="2084851"/>
+            <a:ext cx="12192000" cy="2404863"/>
+          </a:xfrm>
+        </p:spPr>
+        <p:txBody>
+          <a:bodyPr anchor="ctr">
+            <a:normAutofit/>
+          </a:bodyPr>
+          <a:lstStyle/>
+          <a:p>
+            <a:pPr marL="0" indent="0" algn="ctr">
+              <a:buNone/>
+            </a:pPr>
+            <a:r>
+              <a:rPr lang="zh-CN" altLang="en-US" sz="6600" b="1" dirty="0">
+                <a:solidFill>
+                  <a:srgbClr val="660033"/>
+                </a:solidFill>
+                <a:latin typeface="Microsoft JhengHei" panose="020B0604030504040204" pitchFamily="34" charset="-120"/>
+                <a:ea typeface="Microsoft JhengHei" panose="020B0604030504040204" pitchFamily="34" charset="-120"/>
+              </a:rPr>
+              <a:t>遇危險主必保護</a:t>
+            </a:r>
+            <a:endParaRPr lang="en-US" altLang="zh-CN" sz="6600" b="1" dirty="0">
+              <a:solidFill>
+                <a:srgbClr val="660033"/>
+              </a:solidFill>
+              <a:latin typeface="Microsoft JhengHei" panose="020B0604030504040204" pitchFamily="34" charset="-120"/>
+              <a:ea typeface="Microsoft JhengHei" panose="020B0604030504040204" pitchFamily="34" charset="-120"/>
+            </a:endParaRPr>
+          </a:p>
+          <a:p>
+            <a:pPr marL="0" indent="0" algn="ctr">
+              <a:buNone/>
+            </a:pPr>
+            <a:r>
+              <a:rPr lang="zh-CN" altLang="en-US" sz="6600" b="1" dirty="0">
+                <a:solidFill>
+                  <a:srgbClr val="660033"/>
+                </a:solidFill>
+                <a:latin typeface="Microsoft JhengHei" panose="020B0604030504040204" pitchFamily="34" charset="-120"/>
+                <a:ea typeface="Microsoft JhengHei" panose="020B0604030504040204" pitchFamily="34" charset="-120"/>
+              </a:rPr>
+              <a:t>惟要靠我主領路</a:t>
+            </a:r>
+            <a:endParaRPr lang="en-US" altLang="zh-CN" sz="6600" b="1" dirty="0">
+              <a:solidFill>
+                <a:srgbClr val="660033"/>
+              </a:solidFill>
+              <a:latin typeface="Microsoft JhengHei" panose="020B0604030504040204" pitchFamily="34" charset="-120"/>
+              <a:ea typeface="Microsoft JhengHei" panose="020B0604030504040204" pitchFamily="34" charset="-120"/>
+            </a:endParaRPr>
+          </a:p>
+        </p:txBody>
+      </p:sp>
+      <p:sp>
+        <p:nvSpPr>
+          <p:cNvPr id="3" name="TextBox 2"/>
+          <p:cNvSpPr txBox="1"/>
+          <p:nvPr/>
+        </p:nvSpPr>
+        <p:spPr>
+          <a:xfrm>
+            <a:off x="0" y="5071885"/>
+            <a:ext cx="12192000" cy="923330"/>
+          </a:xfrm>
+          <a:prstGeom prst="rect">
+            <a:avLst/>
+          </a:prstGeom>
+          <a:noFill/>
+        </p:spPr>
+        <p:txBody>
+          <a:bodyPr wrap="square" rtlCol="0">
+            <a:spAutoFit/>
+          </a:bodyPr>
+          <a:lstStyle/>
+          <a:p>
+            <a:pPr algn="ctr"/>
+            <a:r>
+              <a:rPr lang="en-US" sz="5400" b="1" dirty="0" smtClean="0">
+                <a:solidFill>
+                  <a:srgbClr val="660033"/>
+                </a:solidFill>
+              </a:rPr>
+              <a:t>( </a:t>
+            </a:r>
+            <a:r>
+              <a:rPr lang="en-US" sz="5400" b="1" dirty="0" smtClean="0">
+                <a:solidFill>
+                  <a:srgbClr val="660033"/>
+                </a:solidFill>
+              </a:rPr>
+              <a:t>3 </a:t>
+            </a:r>
+            <a:r>
+              <a:rPr lang="en-US" sz="5400" b="1" dirty="0" smtClean="0">
+                <a:solidFill>
+                  <a:srgbClr val="660033"/>
+                </a:solidFill>
+              </a:rPr>
+              <a:t>)</a:t>
+            </a:r>
+            <a:endParaRPr lang="vi-VN" sz="5400" b="1" dirty="0">
+              <a:solidFill>
+                <a:srgbClr val="660033"/>
+              </a:solidFill>
+            </a:endParaRPr>
+          </a:p>
+        </p:txBody>
+      </p:sp>
+    </p:spTree>
+    <p:extLst>
+      <p:ext uri="{BB962C8B-B14F-4D97-AF65-F5344CB8AC3E}">
+        <p14:creationId xmlns:p14="http://schemas.microsoft.com/office/powerpoint/2010/main" val="1138432050"/>
+      </p:ext>
+    </p:extLst>
+  </p:cSld>
+  <p:clrMapOvr>
+    <a:masterClrMapping/>
+  </p:clrMapOvr>
+  <p:timing>
+    <p:tnLst>
+      <p:par>
+        <p:cTn id="1" dur="indefinite" restart="never" nodeType="tmRoot"/>
+      </p:par>
+    </p:tnLst>
+  </p:timing>
+</p:sld>
+</file>
+
+<file path=ppt/slides/slide12.xml><?xml version="1.0" encoding="utf-8"?>
+<p:sld xmlns:a="http://schemas.openxmlformats.org/drawingml/2006/main" xmlns:r="http://schemas.openxmlformats.org/officeDocument/2006/relationships" xmlns:p="http://schemas.openxmlformats.org/presentationml/2006/main">
+  <p:cSld>
+    <p:spTree>
+      <p:nvGrpSpPr>
+        <p:cNvPr id="1" name=""/>
+        <p:cNvGrpSpPr/>
+        <p:nvPr/>
+      </p:nvGrpSpPr>
+      <p:grpSpPr>
+        <a:xfrm>
+          <a:off x="0" y="0"/>
+          <a:ext cx="0" cy="0"/>
+          <a:chOff x="0" y="0"/>
+          <a:chExt cx="0" cy="0"/>
+        </a:xfrm>
+      </p:grpSpPr>
+      <p:sp>
+        <p:nvSpPr>
+          <p:cNvPr id="5" name="內容版面配置區 4"/>
+          <p:cNvSpPr>
+            <a:spLocks noGrp="1"/>
+          </p:cNvSpPr>
+          <p:nvPr>
+            <p:ph idx="1"/>
+          </p:nvPr>
+        </p:nvSpPr>
+        <p:spPr>
+          <a:xfrm>
+            <a:off x="0" y="2084851"/>
+            <a:ext cx="12192000" cy="2404863"/>
+          </a:xfrm>
+        </p:spPr>
+        <p:txBody>
+          <a:bodyPr anchor="ctr">
+            <a:normAutofit/>
+          </a:bodyPr>
+          <a:lstStyle/>
+          <a:p>
+            <a:pPr marL="0" indent="0" algn="ctr">
+              <a:buNone/>
+            </a:pPr>
+            <a:r>
+              <a:rPr lang="zh-CN" altLang="en-US" sz="6400" b="1" dirty="0">
+                <a:solidFill>
+                  <a:srgbClr val="660033"/>
+                </a:solidFill>
+                <a:latin typeface="Microsoft JhengHei" pitchFamily="34" charset="-120"/>
+                <a:ea typeface="Microsoft JhengHei" pitchFamily="34" charset="-120"/>
+              </a:rPr>
+              <a:t>靠主耶穌過今世</a:t>
+            </a:r>
+            <a:endParaRPr lang="en-US" altLang="zh-CN" sz="6400" b="1" dirty="0">
+              <a:solidFill>
+                <a:srgbClr val="660033"/>
+              </a:solidFill>
+              <a:latin typeface="Microsoft JhengHei" pitchFamily="34" charset="-120"/>
+              <a:ea typeface="Microsoft JhengHei" pitchFamily="34" charset="-120"/>
+            </a:endParaRPr>
+          </a:p>
+          <a:p>
+            <a:pPr marL="0" indent="0" algn="ctr">
+              <a:buNone/>
+            </a:pPr>
+            <a:r>
+              <a:rPr lang="zh-CN" altLang="en-US" sz="6400" b="1" dirty="0">
+                <a:solidFill>
+                  <a:srgbClr val="660033"/>
+                </a:solidFill>
+                <a:latin typeface="Microsoft JhengHei" pitchFamily="34" charset="-120"/>
+                <a:ea typeface="Microsoft JhengHei" pitchFamily="34" charset="-120"/>
+              </a:rPr>
+              <a:t>靠主耶穌行萬事</a:t>
+            </a:r>
+            <a:endParaRPr lang="en-US" altLang="zh-CN" sz="6400" b="1" dirty="0">
+              <a:solidFill>
+                <a:srgbClr val="660033"/>
+              </a:solidFill>
+              <a:latin typeface="Microsoft JhengHei" pitchFamily="34" charset="-120"/>
+              <a:ea typeface="Microsoft JhengHei" pitchFamily="34" charset="-120"/>
+            </a:endParaRPr>
+          </a:p>
+        </p:txBody>
+      </p:sp>
+    </p:spTree>
+    <p:extLst>
+      <p:ext uri="{BB962C8B-B14F-4D97-AF65-F5344CB8AC3E}">
+        <p14:creationId xmlns:p14="http://schemas.microsoft.com/office/powerpoint/2010/main" val="662551539"/>
+      </p:ext>
+    </p:extLst>
+  </p:cSld>
+  <p:clrMapOvr>
+    <a:masterClrMapping/>
+  </p:clrMapOvr>
+  <p:timing>
+    <p:tnLst>
+      <p:par>
+        <p:cTn id="1" dur="indefinite" restart="never" nodeType="tmRoot"/>
+      </p:par>
+    </p:tnLst>
+  </p:timing>
+</p:sld>
+</file>
+
+<file path=ppt/slides/slide13.xml><?xml version="1.0" encoding="utf-8"?>
+<p:sld xmlns:a="http://schemas.openxmlformats.org/drawingml/2006/main" xmlns:r="http://schemas.openxmlformats.org/officeDocument/2006/relationships" xmlns:p="http://schemas.openxmlformats.org/presentationml/2006/main">
+  <p:cSld>
+    <p:spTree>
+      <p:nvGrpSpPr>
+        <p:cNvPr id="1" name=""/>
+        <p:cNvGrpSpPr/>
+        <p:nvPr/>
+      </p:nvGrpSpPr>
+      <p:grpSpPr>
+        <a:xfrm>
+          <a:off x="0" y="0"/>
+          <a:ext cx="0" cy="0"/>
+          <a:chOff x="0" y="0"/>
+          <a:chExt cx="0" cy="0"/>
+        </a:xfrm>
+      </p:grpSpPr>
+      <p:sp>
+        <p:nvSpPr>
+          <p:cNvPr id="5" name="內容版面配置區 4"/>
+          <p:cNvSpPr>
+            <a:spLocks noGrp="1"/>
+          </p:cNvSpPr>
+          <p:nvPr>
+            <p:ph idx="1"/>
+          </p:nvPr>
+        </p:nvSpPr>
+        <p:spPr>
+          <a:xfrm>
+            <a:off x="0" y="2084851"/>
+            <a:ext cx="12192000" cy="2404863"/>
+          </a:xfrm>
+        </p:spPr>
+        <p:txBody>
+          <a:bodyPr anchor="ctr">
+            <a:normAutofit/>
+          </a:bodyPr>
+          <a:lstStyle/>
+          <a:p>
+            <a:pPr marL="0" indent="0" algn="ctr">
+              <a:buNone/>
+            </a:pPr>
+            <a:r>
+              <a:rPr lang="zh-CN" altLang="en-US" sz="6400" b="1" dirty="0">
+                <a:solidFill>
+                  <a:srgbClr val="660033"/>
+                </a:solidFill>
+                <a:latin typeface="Microsoft JhengHei" pitchFamily="34" charset="-120"/>
+                <a:ea typeface="Microsoft JhengHei" pitchFamily="34" charset="-120"/>
+              </a:rPr>
+              <a:t>無論遇著福或苦</a:t>
+            </a:r>
+            <a:endParaRPr lang="en-US" altLang="zh-CN" sz="6400" b="1" dirty="0">
+              <a:solidFill>
+                <a:srgbClr val="660033"/>
+              </a:solidFill>
+              <a:latin typeface="Microsoft JhengHei" pitchFamily="34" charset="-120"/>
+              <a:ea typeface="Microsoft JhengHei" pitchFamily="34" charset="-120"/>
+            </a:endParaRPr>
+          </a:p>
+          <a:p>
+            <a:pPr marL="0" indent="0" algn="ctr">
+              <a:buNone/>
+            </a:pPr>
+            <a:r>
+              <a:rPr lang="zh-CN" altLang="en-US" sz="6400" b="1" dirty="0">
+                <a:solidFill>
+                  <a:srgbClr val="660033"/>
+                </a:solidFill>
+                <a:latin typeface="Microsoft JhengHei" pitchFamily="34" charset="-120"/>
+                <a:ea typeface="Microsoft JhengHei" pitchFamily="34" charset="-120"/>
+              </a:rPr>
+              <a:t>惟要信靠我救主</a:t>
+            </a:r>
+            <a:endParaRPr lang="en-US" altLang="zh-CN" sz="6400" b="1" dirty="0">
+              <a:solidFill>
+                <a:srgbClr val="660033"/>
+              </a:solidFill>
+              <a:latin typeface="Microsoft JhengHei" pitchFamily="34" charset="-120"/>
+              <a:ea typeface="Microsoft JhengHei" pitchFamily="34" charset="-120"/>
+            </a:endParaRPr>
+          </a:p>
+        </p:txBody>
+      </p:sp>
+    </p:spTree>
+    <p:extLst>
+      <p:ext uri="{BB962C8B-B14F-4D97-AF65-F5344CB8AC3E}">
+        <p14:creationId xmlns:p14="http://schemas.microsoft.com/office/powerpoint/2010/main" val="2544594061"/>
+      </p:ext>
+    </p:extLst>
+  </p:cSld>
+  <p:clrMapOvr>
+    <a:masterClrMapping/>
+  </p:clrMapOvr>
+  <p:timing>
+    <p:tnLst>
+      <p:par>
+        <p:cTn id="1" dur="indefinite" restart="never" nodeType="tmRoot"/>
+      </p:par>
+    </p:tnLst>
+  </p:timing>
+</p:sld>
+</file>
+
+<file path=ppt/slides/slide14.xml><?xml version="1.0" encoding="utf-8"?>
+<p:sld xmlns:a="http://schemas.openxmlformats.org/drawingml/2006/main" xmlns:r="http://schemas.openxmlformats.org/officeDocument/2006/relationships" xmlns:p="http://schemas.openxmlformats.org/presentationml/2006/main">
+  <p:cSld>
+    <p:spTree>
+      <p:nvGrpSpPr>
+        <p:cNvPr id="1" name=""/>
+        <p:cNvGrpSpPr/>
+        <p:nvPr/>
+      </p:nvGrpSpPr>
+      <p:grpSpPr>
+        <a:xfrm>
+          <a:off x="0" y="0"/>
+          <a:ext cx="0" cy="0"/>
+          <a:chOff x="0" y="0"/>
+          <a:chExt cx="0" cy="0"/>
+        </a:xfrm>
+      </p:grpSpPr>
+      <p:sp>
+        <p:nvSpPr>
+          <p:cNvPr id="5" name="內容版面配置區 4"/>
+          <p:cNvSpPr>
+            <a:spLocks noGrp="1"/>
+          </p:cNvSpPr>
+          <p:nvPr>
+            <p:ph idx="1"/>
+          </p:nvPr>
+        </p:nvSpPr>
+        <p:spPr>
+          <a:xfrm>
+            <a:off x="0" y="2084851"/>
+            <a:ext cx="12192000" cy="2404863"/>
+          </a:xfrm>
+        </p:spPr>
+        <p:txBody>
+          <a:bodyPr anchor="ctr">
+            <a:normAutofit/>
+          </a:bodyPr>
+          <a:lstStyle/>
+          <a:p>
+            <a:pPr marL="0" indent="0" algn="ctr">
+              <a:buNone/>
+            </a:pPr>
+            <a:r>
+              <a:rPr lang="zh-CN" altLang="en-US" sz="6600" b="1" dirty="0">
+                <a:solidFill>
+                  <a:srgbClr val="660033"/>
+                </a:solidFill>
+                <a:latin typeface="Microsoft JhengHei" panose="020B0604030504040204" pitchFamily="34" charset="-120"/>
+                <a:ea typeface="Microsoft JhengHei" panose="020B0604030504040204" pitchFamily="34" charset="-120"/>
+              </a:rPr>
+              <a:t>靠主耶穌過今世</a:t>
+            </a:r>
+            <a:endParaRPr lang="en-US" altLang="zh-CN" sz="6600" b="1" dirty="0">
+              <a:solidFill>
+                <a:srgbClr val="660033"/>
+              </a:solidFill>
+              <a:latin typeface="Microsoft JhengHei" panose="020B0604030504040204" pitchFamily="34" charset="-120"/>
+              <a:ea typeface="Microsoft JhengHei" panose="020B0604030504040204" pitchFamily="34" charset="-120"/>
+            </a:endParaRPr>
+          </a:p>
+          <a:p>
+            <a:pPr marL="0" indent="0" algn="ctr">
+              <a:buNone/>
+            </a:pPr>
+            <a:r>
+              <a:rPr lang="zh-CN" altLang="en-US" sz="6600" b="1" dirty="0">
+                <a:solidFill>
+                  <a:srgbClr val="660033"/>
+                </a:solidFill>
+                <a:latin typeface="Microsoft JhengHei" panose="020B0604030504040204" pitchFamily="34" charset="-120"/>
+                <a:ea typeface="Microsoft JhengHei" panose="020B0604030504040204" pitchFamily="34" charset="-120"/>
+              </a:rPr>
+              <a:t>靠主耶穌行萬事</a:t>
+            </a:r>
+            <a:endParaRPr lang="en-US" altLang="zh-CN" sz="6600" b="1" dirty="0">
+              <a:solidFill>
+                <a:srgbClr val="660033"/>
+              </a:solidFill>
+              <a:latin typeface="Microsoft JhengHei" panose="020B0604030504040204" pitchFamily="34" charset="-120"/>
+              <a:ea typeface="Microsoft JhengHei" panose="020B0604030504040204" pitchFamily="34" charset="-120"/>
+            </a:endParaRPr>
+          </a:p>
+        </p:txBody>
+      </p:sp>
+      <p:sp>
+        <p:nvSpPr>
+          <p:cNvPr id="3" name="TextBox 2"/>
+          <p:cNvSpPr txBox="1"/>
+          <p:nvPr/>
+        </p:nvSpPr>
+        <p:spPr>
+          <a:xfrm>
+            <a:off x="0" y="5071885"/>
+            <a:ext cx="12192000" cy="923330"/>
+          </a:xfrm>
+          <a:prstGeom prst="rect">
+            <a:avLst/>
+          </a:prstGeom>
+          <a:noFill/>
+        </p:spPr>
+        <p:txBody>
+          <a:bodyPr wrap="square" rtlCol="0">
+            <a:spAutoFit/>
+          </a:bodyPr>
+          <a:lstStyle/>
+          <a:p>
+            <a:pPr algn="ctr"/>
+            <a:r>
+              <a:rPr lang="en-US" sz="5400" b="1" dirty="0" smtClean="0">
+                <a:solidFill>
+                  <a:srgbClr val="660033"/>
+                </a:solidFill>
+              </a:rPr>
+              <a:t>( </a:t>
+            </a:r>
+            <a:r>
+              <a:rPr lang="en-US" sz="5400" b="1" dirty="0" smtClean="0">
+                <a:solidFill>
+                  <a:srgbClr val="660033"/>
+                </a:solidFill>
+              </a:rPr>
+              <a:t>4 </a:t>
+            </a:r>
+            <a:r>
+              <a:rPr lang="en-US" sz="5400" b="1" dirty="0" smtClean="0">
+                <a:solidFill>
+                  <a:srgbClr val="660033"/>
+                </a:solidFill>
+              </a:rPr>
+              <a:t>)</a:t>
+            </a:r>
+            <a:endParaRPr lang="vi-VN" sz="5400" b="1" dirty="0">
+              <a:solidFill>
+                <a:srgbClr val="660033"/>
+              </a:solidFill>
+            </a:endParaRPr>
+          </a:p>
+        </p:txBody>
+      </p:sp>
+    </p:spTree>
+    <p:extLst>
+      <p:ext uri="{BB962C8B-B14F-4D97-AF65-F5344CB8AC3E}">
+        <p14:creationId xmlns:p14="http://schemas.microsoft.com/office/powerpoint/2010/main" val="3235766886"/>
+      </p:ext>
+    </p:extLst>
+  </p:cSld>
+  <p:clrMapOvr>
+    <a:masterClrMapping/>
+  </p:clrMapOvr>
+  <p:timing>
+    <p:tnLst>
+      <p:par>
+        <p:cTn id="1" dur="indefinite" restart="never" nodeType="tmRoot"/>
+      </p:par>
+    </p:tnLst>
+  </p:timing>
+</p:sld>
+</file>
+
+<file path=ppt/slides/slide15.xml><?xml version="1.0" encoding="utf-8"?>
+<p:sld xmlns:a="http://schemas.openxmlformats.org/drawingml/2006/main" xmlns:r="http://schemas.openxmlformats.org/officeDocument/2006/relationships" xmlns:p="http://schemas.openxmlformats.org/presentationml/2006/main">
+  <p:cSld>
+    <p:spTree>
+      <p:nvGrpSpPr>
+        <p:cNvPr id="1" name=""/>
+        <p:cNvGrpSpPr/>
+        <p:nvPr/>
+      </p:nvGrpSpPr>
+      <p:grpSpPr>
+        <a:xfrm>
+          <a:off x="0" y="0"/>
+          <a:ext cx="0" cy="0"/>
+          <a:chOff x="0" y="0"/>
+          <a:chExt cx="0" cy="0"/>
+        </a:xfrm>
+      </p:grpSpPr>
+      <p:sp>
+        <p:nvSpPr>
+          <p:cNvPr id="5" name="內容版面配置區 4"/>
+          <p:cNvSpPr>
+            <a:spLocks noGrp="1"/>
+          </p:cNvSpPr>
+          <p:nvPr>
+            <p:ph idx="1"/>
+          </p:nvPr>
+        </p:nvSpPr>
+        <p:spPr>
+          <a:xfrm>
+            <a:off x="0" y="2084851"/>
+            <a:ext cx="12192000" cy="2404863"/>
+          </a:xfrm>
+        </p:spPr>
+        <p:txBody>
+          <a:bodyPr anchor="ctr">
+            <a:normAutofit/>
+          </a:bodyPr>
+          <a:lstStyle/>
+          <a:p>
+            <a:pPr marL="0" indent="0" algn="ctr">
+              <a:buNone/>
+            </a:pPr>
+            <a:r>
+              <a:rPr lang="zh-CN" altLang="en-US" sz="6600" b="1" dirty="0">
+                <a:solidFill>
+                  <a:srgbClr val="660033"/>
+                </a:solidFill>
+                <a:latin typeface="Microsoft JhengHei" panose="020B0604030504040204" pitchFamily="34" charset="-120"/>
+                <a:ea typeface="Microsoft JhengHei" panose="020B0604030504040204" pitchFamily="34" charset="-120"/>
+              </a:rPr>
+              <a:t>等我歸到安樂處</a:t>
+            </a:r>
+            <a:endParaRPr lang="en-US" altLang="zh-CN" sz="6600" b="1" dirty="0">
+              <a:solidFill>
+                <a:srgbClr val="660033"/>
+              </a:solidFill>
+              <a:latin typeface="Microsoft JhengHei" panose="020B0604030504040204" pitchFamily="34" charset="-120"/>
+              <a:ea typeface="Microsoft JhengHei" panose="020B0604030504040204" pitchFamily="34" charset="-120"/>
+            </a:endParaRPr>
+          </a:p>
+          <a:p>
+            <a:pPr marL="0" indent="0" algn="ctr">
+              <a:buNone/>
+            </a:pPr>
+            <a:r>
+              <a:rPr lang="zh-CN" altLang="en-US" sz="6600" b="1" dirty="0">
+                <a:solidFill>
+                  <a:srgbClr val="660033"/>
+                </a:solidFill>
+                <a:latin typeface="Microsoft JhengHei" panose="020B0604030504040204" pitchFamily="34" charset="-120"/>
+                <a:ea typeface="Microsoft JhengHei" panose="020B0604030504040204" pitchFamily="34" charset="-120"/>
+              </a:rPr>
+              <a:t>惟要依靠我救主</a:t>
+            </a:r>
+            <a:endParaRPr lang="en-US" altLang="zh-CN" sz="6600" b="1" dirty="0">
+              <a:solidFill>
+                <a:srgbClr val="660033"/>
+              </a:solidFill>
+              <a:latin typeface="Microsoft JhengHei" panose="020B0604030504040204" pitchFamily="34" charset="-120"/>
+              <a:ea typeface="Microsoft JhengHei" panose="020B0604030504040204" pitchFamily="34" charset="-120"/>
+            </a:endParaRPr>
+          </a:p>
+        </p:txBody>
+      </p:sp>
+      <p:sp>
+        <p:nvSpPr>
+          <p:cNvPr id="3" name="TextBox 2"/>
+          <p:cNvSpPr txBox="1"/>
+          <p:nvPr/>
+        </p:nvSpPr>
+        <p:spPr>
+          <a:xfrm>
+            <a:off x="0" y="5071885"/>
+            <a:ext cx="12192000" cy="923330"/>
+          </a:xfrm>
+          <a:prstGeom prst="rect">
+            <a:avLst/>
+          </a:prstGeom>
+          <a:noFill/>
+        </p:spPr>
+        <p:txBody>
+          <a:bodyPr wrap="square" rtlCol="0">
+            <a:spAutoFit/>
+          </a:bodyPr>
+          <a:lstStyle/>
+          <a:p>
+            <a:pPr algn="ctr"/>
+            <a:r>
+              <a:rPr lang="en-US" sz="5400" b="1" dirty="0" smtClean="0">
+                <a:solidFill>
+                  <a:srgbClr val="660033"/>
+                </a:solidFill>
+              </a:rPr>
+              <a:t>( </a:t>
+            </a:r>
+            <a:r>
+              <a:rPr lang="en-US" sz="5400" b="1" dirty="0" smtClean="0">
+                <a:solidFill>
+                  <a:srgbClr val="660033"/>
+                </a:solidFill>
+              </a:rPr>
+              <a:t>4 </a:t>
+            </a:r>
+            <a:r>
+              <a:rPr lang="en-US" sz="5400" b="1" dirty="0" smtClean="0">
+                <a:solidFill>
+                  <a:srgbClr val="660033"/>
+                </a:solidFill>
+              </a:rPr>
+              <a:t>)</a:t>
+            </a:r>
+            <a:endParaRPr lang="vi-VN" sz="5400" b="1" dirty="0">
+              <a:solidFill>
+                <a:srgbClr val="660033"/>
+              </a:solidFill>
+            </a:endParaRPr>
+          </a:p>
+        </p:txBody>
+      </p:sp>
+    </p:spTree>
+    <p:extLst>
+      <p:ext uri="{BB962C8B-B14F-4D97-AF65-F5344CB8AC3E}">
+        <p14:creationId xmlns:p14="http://schemas.microsoft.com/office/powerpoint/2010/main" val="2731950359"/>
+      </p:ext>
+    </p:extLst>
+  </p:cSld>
+  <p:clrMapOvr>
+    <a:masterClrMapping/>
+  </p:clrMapOvr>
+  <p:timing>
+    <p:tnLst>
+      <p:par>
+        <p:cTn id="1" dur="indefinite" restart="never" nodeType="tmRoot"/>
+      </p:par>
+    </p:tnLst>
+  </p:timing>
+</p:sld>
+</file>
+
+<file path=ppt/slides/slide16.xml><?xml version="1.0" encoding="utf-8"?>
+<p:sld xmlns:a="http://schemas.openxmlformats.org/drawingml/2006/main" xmlns:r="http://schemas.openxmlformats.org/officeDocument/2006/relationships" xmlns:p="http://schemas.openxmlformats.org/presentationml/2006/main">
+  <p:cSld>
+    <p:spTree>
+      <p:nvGrpSpPr>
+        <p:cNvPr id="1" name=""/>
+        <p:cNvGrpSpPr/>
+        <p:nvPr/>
+      </p:nvGrpSpPr>
+      <p:grpSpPr>
+        <a:xfrm>
+          <a:off x="0" y="0"/>
+          <a:ext cx="0" cy="0"/>
+          <a:chOff x="0" y="0"/>
+          <a:chExt cx="0" cy="0"/>
+        </a:xfrm>
+      </p:grpSpPr>
+      <p:sp>
+        <p:nvSpPr>
+          <p:cNvPr id="5" name="內容版面配置區 4"/>
+          <p:cNvSpPr>
+            <a:spLocks noGrp="1"/>
+          </p:cNvSpPr>
+          <p:nvPr>
+            <p:ph idx="1"/>
+          </p:nvPr>
+        </p:nvSpPr>
+        <p:spPr>
+          <a:xfrm>
+            <a:off x="0" y="2084851"/>
+            <a:ext cx="12192000" cy="2404863"/>
+          </a:xfrm>
+        </p:spPr>
+        <p:txBody>
+          <a:bodyPr anchor="ctr">
+            <a:normAutofit/>
+          </a:bodyPr>
+          <a:lstStyle/>
+          <a:p>
+            <a:pPr marL="0" indent="0" algn="ctr">
+              <a:buNone/>
+            </a:pPr>
+            <a:r>
+              <a:rPr lang="zh-CN" altLang="en-US" sz="6400" b="1" dirty="0">
+                <a:solidFill>
+                  <a:srgbClr val="660033"/>
+                </a:solidFill>
+                <a:latin typeface="Microsoft JhengHei" pitchFamily="34" charset="-120"/>
+                <a:ea typeface="Microsoft JhengHei" pitchFamily="34" charset="-120"/>
+              </a:rPr>
+              <a:t>靠主耶穌過今世</a:t>
+            </a:r>
+            <a:endParaRPr lang="en-US" altLang="zh-CN" sz="6400" b="1" dirty="0">
+              <a:solidFill>
+                <a:srgbClr val="660033"/>
+              </a:solidFill>
+              <a:latin typeface="Microsoft JhengHei" pitchFamily="34" charset="-120"/>
+              <a:ea typeface="Microsoft JhengHei" pitchFamily="34" charset="-120"/>
+            </a:endParaRPr>
+          </a:p>
+          <a:p>
+            <a:pPr marL="0" indent="0" algn="ctr">
+              <a:buNone/>
+            </a:pPr>
+            <a:r>
+              <a:rPr lang="zh-CN" altLang="en-US" sz="6400" b="1" dirty="0">
+                <a:solidFill>
+                  <a:srgbClr val="660033"/>
+                </a:solidFill>
+                <a:latin typeface="Microsoft JhengHei" pitchFamily="34" charset="-120"/>
+                <a:ea typeface="Microsoft JhengHei" pitchFamily="34" charset="-120"/>
+              </a:rPr>
+              <a:t>靠主耶穌行萬事</a:t>
+            </a:r>
+            <a:endParaRPr lang="en-US" altLang="zh-CN" sz="6400" b="1" dirty="0">
+              <a:solidFill>
+                <a:srgbClr val="660033"/>
+              </a:solidFill>
+              <a:latin typeface="Microsoft JhengHei" pitchFamily="34" charset="-120"/>
+              <a:ea typeface="Microsoft JhengHei" pitchFamily="34" charset="-120"/>
+            </a:endParaRPr>
+          </a:p>
+        </p:txBody>
+      </p:sp>
+    </p:spTree>
+    <p:extLst>
+      <p:ext uri="{BB962C8B-B14F-4D97-AF65-F5344CB8AC3E}">
+        <p14:creationId xmlns:p14="http://schemas.microsoft.com/office/powerpoint/2010/main" val="1385082013"/>
+      </p:ext>
+    </p:extLst>
+  </p:cSld>
+  <p:clrMapOvr>
+    <a:masterClrMapping/>
+  </p:clrMapOvr>
+  <p:timing>
+    <p:tnLst>
+      <p:par>
+        <p:cTn id="1" dur="indefinite" restart="never" nodeType="tmRoot"/>
+      </p:par>
+    </p:tnLst>
+  </p:timing>
+</p:sld>
+</file>
+
+<file path=ppt/slides/slide17.xml><?xml version="1.0" encoding="utf-8"?>
+<p:sld xmlns:a="http://schemas.openxmlformats.org/drawingml/2006/main" xmlns:r="http://schemas.openxmlformats.org/officeDocument/2006/relationships" xmlns:p="http://schemas.openxmlformats.org/presentationml/2006/main">
+  <p:cSld>
+    <p:spTree>
+      <p:nvGrpSpPr>
+        <p:cNvPr id="1" name=""/>
+        <p:cNvGrpSpPr/>
+        <p:nvPr/>
+      </p:nvGrpSpPr>
+      <p:grpSpPr>
+        <a:xfrm>
+          <a:off x="0" y="0"/>
+          <a:ext cx="0" cy="0"/>
+          <a:chOff x="0" y="0"/>
+          <a:chExt cx="0" cy="0"/>
+        </a:xfrm>
+      </p:grpSpPr>
+      <p:sp>
+        <p:nvSpPr>
+          <p:cNvPr id="5" name="內容版面配置區 4"/>
+          <p:cNvSpPr>
+            <a:spLocks noGrp="1"/>
+          </p:cNvSpPr>
+          <p:nvPr>
+            <p:ph idx="1"/>
+          </p:nvPr>
+        </p:nvSpPr>
+        <p:spPr>
+          <a:xfrm>
+            <a:off x="0" y="2084851"/>
+            <a:ext cx="12192000" cy="2404863"/>
+          </a:xfrm>
+        </p:spPr>
+        <p:txBody>
+          <a:bodyPr anchor="ctr">
+            <a:normAutofit/>
+          </a:bodyPr>
+          <a:lstStyle/>
+          <a:p>
+            <a:pPr marL="0" indent="0" algn="ctr">
+              <a:buNone/>
+            </a:pPr>
+            <a:r>
+              <a:rPr lang="zh-CN" altLang="en-US" sz="6400" b="1" dirty="0">
+                <a:solidFill>
+                  <a:srgbClr val="660033"/>
+                </a:solidFill>
+                <a:latin typeface="Microsoft JhengHei" pitchFamily="34" charset="-120"/>
+                <a:ea typeface="Microsoft JhengHei" pitchFamily="34" charset="-120"/>
+              </a:rPr>
+              <a:t>無論遇著福或苦</a:t>
+            </a:r>
+            <a:endParaRPr lang="en-US" altLang="zh-CN" sz="6400" b="1" dirty="0">
+              <a:solidFill>
+                <a:srgbClr val="660033"/>
+              </a:solidFill>
+              <a:latin typeface="Microsoft JhengHei" pitchFamily="34" charset="-120"/>
+              <a:ea typeface="Microsoft JhengHei" pitchFamily="34" charset="-120"/>
+            </a:endParaRPr>
+          </a:p>
+          <a:p>
+            <a:pPr marL="0" indent="0" algn="ctr">
+              <a:buNone/>
+            </a:pPr>
+            <a:r>
+              <a:rPr lang="zh-CN" altLang="en-US" sz="6400" b="1" dirty="0">
+                <a:solidFill>
+                  <a:srgbClr val="660033"/>
+                </a:solidFill>
+                <a:latin typeface="Microsoft JhengHei" pitchFamily="34" charset="-120"/>
+                <a:ea typeface="Microsoft JhengHei" pitchFamily="34" charset="-120"/>
+              </a:rPr>
+              <a:t>惟要信靠我救主</a:t>
+            </a:r>
+            <a:endParaRPr lang="en-US" altLang="zh-CN" sz="6400" b="1" dirty="0">
+              <a:solidFill>
+                <a:srgbClr val="660033"/>
+              </a:solidFill>
+              <a:latin typeface="Microsoft JhengHei" pitchFamily="34" charset="-120"/>
+              <a:ea typeface="Microsoft JhengHei" pitchFamily="34" charset="-120"/>
+            </a:endParaRPr>
+          </a:p>
+        </p:txBody>
+      </p:sp>
+    </p:spTree>
+    <p:extLst>
+      <p:ext uri="{BB962C8B-B14F-4D97-AF65-F5344CB8AC3E}">
+        <p14:creationId xmlns:p14="http://schemas.microsoft.com/office/powerpoint/2010/main" val="1945350435"/>
+      </p:ext>
+    </p:extLst>
+  </p:cSld>
+  <p:clrMapOvr>
+    <a:masterClrMapping/>
+  </p:clrMapOvr>
+  <p:timing>
+    <p:tnLst>
+      <p:par>
+        <p:cTn id="1" dur="indefinite" restart="never" nodeType="tmRoot"/>
+      </p:par>
+    </p:tnLst>
+  </p:timing>
 </p:sld>
 </file>
 
@@ -3292,133 +4356,132 @@
       </p:grpSpPr>
       <p:sp>
         <p:nvSpPr>
-          <p:cNvPr id="2" name="Title 1"/>
-          <p:cNvSpPr>
-            <a:spLocks noGrp="1"/>
-          </p:cNvSpPr>
-          <p:nvPr>
-            <p:ph type="title"/>
-          </p:nvPr>
-        </p:nvSpPr>
-        <p:spPr/>
-        <p:txBody>
-          <a:bodyPr>
+          <p:cNvPr id="5" name="內容版面配置區 4"/>
+          <p:cNvSpPr>
+            <a:spLocks noGrp="1"/>
+          </p:cNvSpPr>
+          <p:nvPr>
+            <p:ph idx="1"/>
+          </p:nvPr>
+        </p:nvSpPr>
+        <p:spPr>
+          <a:xfrm>
+            <a:off x="0" y="2084851"/>
+            <a:ext cx="12192000" cy="2404863"/>
+          </a:xfrm>
+        </p:spPr>
+        <p:txBody>
+          <a:bodyPr anchor="ctr">
             <a:normAutofit/>
           </a:bodyPr>
           <a:lstStyle/>
           <a:p>
-            <a:r>
-              <a:rPr lang="zh-CN" altLang="en-US" sz="4800" b="1" dirty="0" smtClean="0">
-                <a:latin typeface="Microsoft JhengHei" panose="020B0604030504040204" pitchFamily="34" charset="-120"/>
-                <a:ea typeface="Microsoft JhengHei" panose="020B0604030504040204" pitchFamily="34" charset="-120"/>
-              </a:rPr>
-              <a:t>惟要靠主</a:t>
-            </a:r>
-            <a:endParaRPr lang="vi-VN" sz="4800" b="1" dirty="0">
-              <a:ea typeface="Microsoft JhengHei" panose="020B0604030504040204" pitchFamily="34" charset="-120"/>
+            <a:pPr marL="0" indent="0" algn="ctr">
+              <a:buNone/>
+            </a:pPr>
+            <a:r>
+              <a:rPr lang="zh-CN" altLang="en-US" sz="6400" b="1" dirty="0" smtClean="0">
+                <a:solidFill>
+                  <a:srgbClr val="660033"/>
+                </a:solidFill>
+                <a:latin typeface="Microsoft JhengHei" pitchFamily="34" charset="-120"/>
+                <a:ea typeface="Microsoft JhengHei" pitchFamily="34" charset="-120"/>
+              </a:rPr>
+              <a:t>我</a:t>
+            </a:r>
+            <a:r>
+              <a:rPr lang="zh-CN" altLang="en-US" sz="6400" b="1" dirty="0">
+                <a:solidFill>
+                  <a:srgbClr val="660033"/>
+                </a:solidFill>
+                <a:latin typeface="Microsoft JhengHei" pitchFamily="34" charset="-120"/>
+                <a:ea typeface="Microsoft JhengHei" pitchFamily="34" charset="-120"/>
+              </a:rPr>
+              <a:t>時刻單依靠主  </a:t>
+            </a:r>
+            <a:endParaRPr lang="en-US" altLang="zh-CN" sz="6400" b="1" dirty="0" smtClean="0">
+              <a:solidFill>
+                <a:srgbClr val="660033"/>
+              </a:solidFill>
+              <a:latin typeface="Microsoft JhengHei" pitchFamily="34" charset="-120"/>
+              <a:ea typeface="Microsoft JhengHei" pitchFamily="34" charset="-120"/>
             </a:endParaRPr>
           </a:p>
-        </p:txBody>
-      </p:sp>
-      <p:sp>
-        <p:nvSpPr>
-          <p:cNvPr id="3" name="Content Placeholder 2"/>
-          <p:cNvSpPr>
-            <a:spLocks noGrp="1"/>
-          </p:cNvSpPr>
-          <p:nvPr>
-            <p:ph idx="1"/>
-          </p:nvPr>
-        </p:nvSpPr>
-        <p:spPr/>
-        <p:txBody>
-          <a:bodyPr>
-            <a:normAutofit/>
+          <a:p>
+            <a:pPr marL="0" indent="0" algn="ctr">
+              <a:buNone/>
+            </a:pPr>
+            <a:r>
+              <a:rPr lang="zh-CN" altLang="en-US" sz="6400" b="1" dirty="0" smtClean="0">
+                <a:solidFill>
+                  <a:srgbClr val="660033"/>
+                </a:solidFill>
+                <a:latin typeface="Microsoft JhengHei" pitchFamily="34" charset="-120"/>
+                <a:ea typeface="Microsoft JhengHei" pitchFamily="34" charset="-120"/>
+              </a:rPr>
+              <a:t>遇難時求主救護</a:t>
+            </a:r>
+            <a:endParaRPr lang="en-US" altLang="zh-CN" sz="6400" b="1" dirty="0">
+              <a:solidFill>
+                <a:srgbClr val="660033"/>
+              </a:solidFill>
+              <a:latin typeface="Microsoft JhengHei" pitchFamily="34" charset="-120"/>
+              <a:ea typeface="Microsoft JhengHei" pitchFamily="34" charset="-120"/>
+            </a:endParaRPr>
+          </a:p>
+        </p:txBody>
+      </p:sp>
+      <p:sp>
+        <p:nvSpPr>
+          <p:cNvPr id="3" name="TextBox 2"/>
+          <p:cNvSpPr txBox="1"/>
+          <p:nvPr/>
+        </p:nvSpPr>
+        <p:spPr>
+          <a:xfrm>
+            <a:off x="0" y="5071885"/>
+            <a:ext cx="12192000" cy="923330"/>
+          </a:xfrm>
+          <a:prstGeom prst="rect">
+            <a:avLst/>
+          </a:prstGeom>
+          <a:noFill/>
+        </p:spPr>
+        <p:txBody>
+          <a:bodyPr wrap="square" rtlCol="0">
+            <a:spAutoFit/>
           </a:bodyPr>
           <a:lstStyle/>
           <a:p>
-            <a:pPr marL="0" indent="0" algn="ctr">
-              <a:buNone/>
-            </a:pPr>
-            <a:r>
-              <a:rPr lang="zh-CN" altLang="en-US" sz="5400" b="1" dirty="0" smtClean="0">
-                <a:latin typeface="Microsoft JhengHei" panose="020B0604030504040204" pitchFamily="34" charset="-120"/>
-                <a:ea typeface="Microsoft JhengHei" panose="020B0604030504040204" pitchFamily="34" charset="-120"/>
-              </a:rPr>
-              <a:t>靠主耶穌過今世</a:t>
-            </a:r>
-            <a:endParaRPr lang="en-US" altLang="zh-CN" sz="5400" b="1" dirty="0" smtClean="0">
-              <a:latin typeface="Microsoft JhengHei" panose="020B0604030504040204" pitchFamily="34" charset="-120"/>
-              <a:ea typeface="Microsoft JhengHei" panose="020B0604030504040204" pitchFamily="34" charset="-120"/>
-            </a:endParaRPr>
-          </a:p>
-          <a:p>
-            <a:pPr marL="0" indent="0" algn="ctr">
-              <a:buNone/>
-            </a:pPr>
-            <a:r>
-              <a:rPr lang="zh-CN" altLang="en-US" sz="5400" b="1" dirty="0">
-                <a:latin typeface="Microsoft JhengHei" panose="020B0604030504040204" pitchFamily="34" charset="-120"/>
-                <a:ea typeface="Microsoft JhengHei" panose="020B0604030504040204" pitchFamily="34" charset="-120"/>
-              </a:rPr>
-              <a:t>靠主耶</a:t>
-            </a:r>
-            <a:r>
-              <a:rPr lang="zh-CN" altLang="en-US" sz="5400" b="1" dirty="0" smtClean="0">
-                <a:latin typeface="Microsoft JhengHei" panose="020B0604030504040204" pitchFamily="34" charset="-120"/>
-                <a:ea typeface="Microsoft JhengHei" panose="020B0604030504040204" pitchFamily="34" charset="-120"/>
-              </a:rPr>
-              <a:t>穌行萬事</a:t>
-            </a:r>
-            <a:endParaRPr lang="en-US" altLang="zh-CN" sz="5400" b="1" dirty="0" smtClean="0">
-              <a:latin typeface="Microsoft JhengHei" panose="020B0604030504040204" pitchFamily="34" charset="-120"/>
-              <a:ea typeface="Microsoft JhengHei" panose="020B0604030504040204" pitchFamily="34" charset="-120"/>
-            </a:endParaRPr>
-          </a:p>
-          <a:p>
-            <a:pPr marL="0" indent="0" algn="ctr">
-              <a:buNone/>
-            </a:pPr>
-            <a:r>
-              <a:rPr lang="zh-CN" altLang="en-US" sz="5400" b="1" dirty="0">
-                <a:latin typeface="Microsoft JhengHei" panose="020B0604030504040204" pitchFamily="34" charset="-120"/>
-                <a:ea typeface="Microsoft JhengHei" panose="020B0604030504040204" pitchFamily="34" charset="-120"/>
-              </a:rPr>
-              <a:t>無</a:t>
-            </a:r>
-            <a:r>
-              <a:rPr lang="zh-CN" altLang="en-US" sz="5400" b="1" dirty="0" smtClean="0">
-                <a:latin typeface="Microsoft JhengHei" panose="020B0604030504040204" pitchFamily="34" charset="-120"/>
-                <a:ea typeface="Microsoft JhengHei" panose="020B0604030504040204" pitchFamily="34" charset="-120"/>
-              </a:rPr>
-              <a:t>論遇著福或苦</a:t>
-            </a:r>
-            <a:endParaRPr lang="en-US" altLang="zh-CN" sz="5400" b="1" dirty="0" smtClean="0">
-              <a:latin typeface="Microsoft JhengHei" panose="020B0604030504040204" pitchFamily="34" charset="-120"/>
-              <a:ea typeface="Microsoft JhengHei" panose="020B0604030504040204" pitchFamily="34" charset="-120"/>
-            </a:endParaRPr>
-          </a:p>
-          <a:p>
-            <a:pPr marL="0" indent="0" algn="ctr">
-              <a:buNone/>
-            </a:pPr>
-            <a:r>
-              <a:rPr lang="zh-CN" altLang="en-US" sz="5400" b="1" dirty="0">
-                <a:latin typeface="Microsoft JhengHei" panose="020B0604030504040204" pitchFamily="34" charset="-120"/>
-                <a:ea typeface="Microsoft JhengHei" panose="020B0604030504040204" pitchFamily="34" charset="-120"/>
-              </a:rPr>
-              <a:t>惟</a:t>
-            </a:r>
-            <a:r>
-              <a:rPr lang="zh-CN" altLang="en-US" sz="5400" b="1" dirty="0" smtClean="0">
-                <a:latin typeface="Microsoft JhengHei" panose="020B0604030504040204" pitchFamily="34" charset="-120"/>
-                <a:ea typeface="Microsoft JhengHei" panose="020B0604030504040204" pitchFamily="34" charset="-120"/>
-              </a:rPr>
-              <a:t>要信靠我救主</a:t>
-            </a:r>
-            <a:endParaRPr lang="en-US" altLang="zh-CN" sz="5400" b="1" dirty="0" smtClean="0">
-              <a:latin typeface="Microsoft JhengHei" panose="020B0604030504040204" pitchFamily="34" charset="-120"/>
-              <a:ea typeface="Microsoft JhengHei" panose="020B0604030504040204" pitchFamily="34" charset="-120"/>
+            <a:pPr algn="ctr"/>
+            <a:r>
+              <a:rPr lang="en-US" sz="5400" b="1" dirty="0" smtClean="0">
+                <a:solidFill>
+                  <a:srgbClr val="660033"/>
+                </a:solidFill>
+              </a:rPr>
+              <a:t>( </a:t>
+            </a:r>
+            <a:r>
+              <a:rPr lang="en-US" sz="5400" b="1" dirty="0" smtClean="0">
+                <a:solidFill>
+                  <a:srgbClr val="660033"/>
+                </a:solidFill>
+              </a:rPr>
+              <a:t>1 </a:t>
+            </a:r>
+            <a:r>
+              <a:rPr lang="en-US" sz="5400" b="1" dirty="0" smtClean="0">
+                <a:solidFill>
+                  <a:srgbClr val="660033"/>
+                </a:solidFill>
+              </a:rPr>
+              <a:t>)</a:t>
+            </a:r>
+            <a:endParaRPr lang="vi-VN" sz="5400" b="1" dirty="0">
+              <a:solidFill>
+                <a:srgbClr val="660033"/>
+              </a:solidFill>
             </a:endParaRPr>
           </a:p>
         </p:txBody>
@@ -3426,13 +4489,20 @@
     </p:spTree>
     <p:extLst>
       <p:ext uri="{BB962C8B-B14F-4D97-AF65-F5344CB8AC3E}">
-        <p14:creationId xmlns:p14="http://schemas.microsoft.com/office/powerpoint/2010/main" val="1460948689"/>
+        <p14:creationId xmlns:p14="http://schemas.microsoft.com/office/powerpoint/2010/main" val="3834155270"/>
       </p:ext>
     </p:extLst>
   </p:cSld>
   <p:clrMapOvr>
     <a:masterClrMapping/>
   </p:clrMapOvr>
+  <p:timing>
+    <p:tnLst>
+      <p:par>
+        <p:cTn id="1" dur="indefinite" restart="never" nodeType="tmRoot"/>
+      </p:par>
+    </p:tnLst>
+  </p:timing>
 </p:sld>
 </file>
 
@@ -3455,140 +4525,81 @@
       </p:grpSpPr>
       <p:sp>
         <p:nvSpPr>
-          <p:cNvPr id="2" name="Title 1"/>
-          <p:cNvSpPr>
-            <a:spLocks noGrp="1"/>
-          </p:cNvSpPr>
-          <p:nvPr>
-            <p:ph type="title"/>
-          </p:nvPr>
-        </p:nvSpPr>
-        <p:spPr/>
-        <p:txBody>
-          <a:bodyPr>
+          <p:cNvPr id="5" name="內容版面配置區 4"/>
+          <p:cNvSpPr>
+            <a:spLocks noGrp="1"/>
+          </p:cNvSpPr>
+          <p:nvPr>
+            <p:ph idx="1"/>
+          </p:nvPr>
+        </p:nvSpPr>
+        <p:spPr>
+          <a:xfrm>
+            <a:off x="0" y="2084851"/>
+            <a:ext cx="12192000" cy="2404863"/>
+          </a:xfrm>
+        </p:spPr>
+        <p:txBody>
+          <a:bodyPr anchor="ctr">
             <a:normAutofit/>
           </a:bodyPr>
           <a:lstStyle/>
           <a:p>
-            <a:r>
-              <a:rPr lang="zh-CN" altLang="en-US" sz="4800" b="1" dirty="0" smtClean="0">
-                <a:latin typeface="Microsoft JhengHei" panose="020B0604030504040204" pitchFamily="34" charset="-120"/>
-                <a:ea typeface="Microsoft JhengHei" panose="020B0604030504040204" pitchFamily="34" charset="-120"/>
-              </a:rPr>
-              <a:t>惟要靠主</a:t>
-            </a:r>
-            <a:endParaRPr lang="vi-VN" sz="4800" b="1" dirty="0">
-              <a:ea typeface="Microsoft JhengHei" panose="020B0604030504040204" pitchFamily="34" charset="-120"/>
+            <a:pPr marL="0" indent="0" algn="ctr">
+              <a:buNone/>
+            </a:pPr>
+            <a:r>
+              <a:rPr lang="zh-CN" altLang="en-US" sz="6400" b="1" dirty="0">
+                <a:solidFill>
+                  <a:srgbClr val="660033"/>
+                </a:solidFill>
+                <a:latin typeface="Microsoft JhengHei" pitchFamily="34" charset="-120"/>
+                <a:ea typeface="Microsoft JhengHei" pitchFamily="34" charset="-120"/>
+              </a:rPr>
+              <a:t>我信心雖還不足  </a:t>
+            </a:r>
+            <a:endParaRPr lang="en-US" altLang="zh-CN" sz="6400" b="1" dirty="0">
+              <a:solidFill>
+                <a:srgbClr val="660033"/>
+              </a:solidFill>
+              <a:latin typeface="Microsoft JhengHei" pitchFamily="34" charset="-120"/>
+              <a:ea typeface="Microsoft JhengHei" pitchFamily="34" charset="-120"/>
             </a:endParaRPr>
           </a:p>
-        </p:txBody>
-      </p:sp>
-      <p:sp>
-        <p:nvSpPr>
-          <p:cNvPr id="3" name="Content Placeholder 2"/>
-          <p:cNvSpPr>
-            <a:spLocks noGrp="1"/>
-          </p:cNvSpPr>
-          <p:nvPr>
-            <p:ph idx="1"/>
-          </p:nvPr>
-        </p:nvSpPr>
-        <p:spPr/>
-        <p:txBody>
-          <a:bodyPr>
-            <a:normAutofit/>
-          </a:bodyPr>
-          <a:lstStyle/>
           <a:p>
             <a:pPr marL="0" indent="0" algn="ctr">
               <a:buNone/>
             </a:pPr>
             <a:r>
-              <a:rPr lang="zh-CN" altLang="en-US" sz="5400" b="1" dirty="0" smtClean="0">
-                <a:latin typeface="Microsoft JhengHei" panose="020B0604030504040204" pitchFamily="34" charset="-120"/>
-                <a:ea typeface="Microsoft JhengHei" panose="020B0604030504040204" pitchFamily="34" charset="-120"/>
-              </a:rPr>
-              <a:t>今聖靈照亮我心</a:t>
-            </a:r>
-            <a:endParaRPr lang="en-US" altLang="zh-CN" sz="5400" b="1" dirty="0" smtClean="0">
-              <a:latin typeface="Microsoft JhengHei" panose="020B0604030504040204" pitchFamily="34" charset="-120"/>
-              <a:ea typeface="Microsoft JhengHei" panose="020B0604030504040204" pitchFamily="34" charset="-120"/>
+              <a:rPr lang="zh-CN" altLang="en-US" sz="6400" b="1" dirty="0">
+                <a:solidFill>
+                  <a:srgbClr val="660033"/>
+                </a:solidFill>
+                <a:latin typeface="Microsoft JhengHei" pitchFamily="34" charset="-120"/>
+                <a:ea typeface="Microsoft JhengHei" pitchFamily="34" charset="-120"/>
+              </a:rPr>
+              <a:t>惟要靠我主引路</a:t>
+            </a:r>
+            <a:endParaRPr lang="en-US" altLang="zh-CN" sz="6400" b="1" dirty="0">
+              <a:solidFill>
+                <a:srgbClr val="660033"/>
+              </a:solidFill>
+              <a:latin typeface="Microsoft JhengHei" pitchFamily="34" charset="-120"/>
+              <a:ea typeface="Microsoft JhengHei" pitchFamily="34" charset="-120"/>
             </a:endParaRPr>
           </a:p>
-          <a:p>
-            <a:pPr marL="0" indent="0" algn="ctr">
-              <a:buNone/>
-            </a:pPr>
-            <a:r>
-              <a:rPr lang="zh-CN" altLang="en-US" sz="5400" b="1" dirty="0" smtClean="0">
-                <a:latin typeface="Microsoft JhengHei" panose="020B0604030504040204" pitchFamily="34" charset="-120"/>
-                <a:ea typeface="Microsoft JhengHei" panose="020B0604030504040204" pitchFamily="34" charset="-120"/>
-              </a:rPr>
-              <a:t>使我心滿得光明</a:t>
-            </a:r>
-            <a:endParaRPr lang="en-US" altLang="zh-CN" sz="5400" b="1" dirty="0" smtClean="0">
-              <a:latin typeface="Microsoft JhengHei" panose="020B0604030504040204" pitchFamily="34" charset="-120"/>
-              <a:ea typeface="Microsoft JhengHei" panose="020B0604030504040204" pitchFamily="34" charset="-120"/>
-            </a:endParaRPr>
-          </a:p>
-          <a:p>
-            <a:pPr marL="0" indent="0" algn="ctr">
-              <a:buNone/>
-            </a:pPr>
-            <a:r>
-              <a:rPr lang="zh-CN" altLang="en-US" sz="5400" b="1" dirty="0">
-                <a:latin typeface="Microsoft JhengHei" panose="020B0604030504040204" pitchFamily="34" charset="-120"/>
-                <a:ea typeface="Microsoft JhengHei" panose="020B0604030504040204" pitchFamily="34" charset="-120"/>
-              </a:rPr>
-              <a:t>救</a:t>
-            </a:r>
-            <a:r>
-              <a:rPr lang="zh-CN" altLang="en-US" sz="5400" b="1" dirty="0" smtClean="0">
-                <a:latin typeface="Microsoft JhengHei" panose="020B0604030504040204" pitchFamily="34" charset="-120"/>
-                <a:ea typeface="Microsoft JhengHei" panose="020B0604030504040204" pitchFamily="34" charset="-120"/>
-              </a:rPr>
-              <a:t>主領我走正路</a:t>
-            </a:r>
-            <a:endParaRPr lang="en-US" altLang="zh-CN" sz="5400" b="1" dirty="0" smtClean="0">
-              <a:latin typeface="Microsoft JhengHei" panose="020B0604030504040204" pitchFamily="34" charset="-120"/>
-              <a:ea typeface="Microsoft JhengHei" panose="020B0604030504040204" pitchFamily="34" charset="-120"/>
-            </a:endParaRPr>
-          </a:p>
-          <a:p>
-            <a:pPr marL="0" indent="0" algn="ctr">
-              <a:buNone/>
-            </a:pPr>
-            <a:r>
-              <a:rPr lang="zh-CN" altLang="en-US" sz="5400" b="1" dirty="0">
-                <a:latin typeface="Microsoft JhengHei" panose="020B0604030504040204" pitchFamily="34" charset="-120"/>
-                <a:ea typeface="Microsoft JhengHei" panose="020B0604030504040204" pitchFamily="34" charset="-120"/>
-              </a:rPr>
-              <a:t>惟</a:t>
-            </a:r>
-            <a:r>
-              <a:rPr lang="zh-CN" altLang="en-US" sz="5400" b="1" dirty="0" smtClean="0">
-                <a:latin typeface="Microsoft JhengHei" panose="020B0604030504040204" pitchFamily="34" charset="-120"/>
-                <a:ea typeface="Microsoft JhengHei" panose="020B0604030504040204" pitchFamily="34" charset="-120"/>
-              </a:rPr>
-              <a:t>要靠我主保護</a:t>
-            </a:r>
-            <a:endParaRPr lang="en-US" altLang="zh-CN" sz="5400" b="1" dirty="0" smtClean="0">
-              <a:latin typeface="Microsoft JhengHei" panose="020B0604030504040204" pitchFamily="34" charset="-120"/>
-              <a:ea typeface="Microsoft JhengHei" panose="020B0604030504040204" pitchFamily="34" charset="-120"/>
-            </a:endParaRPr>
-          </a:p>
-        </p:txBody>
-      </p:sp>
-      <p:sp>
-        <p:nvSpPr>
-          <p:cNvPr id="4" name="TextBox 3"/>
+        </p:txBody>
+      </p:sp>
+      <p:sp>
+        <p:nvSpPr>
+          <p:cNvPr id="3" name="TextBox 2"/>
           <p:cNvSpPr txBox="1"/>
           <p:nvPr/>
         </p:nvSpPr>
         <p:spPr>
           <a:xfrm>
-            <a:off x="1668379" y="1600201"/>
-            <a:ext cx="1122947" cy="1015663"/>
+            <a:off x="0" y="5071885"/>
+            <a:ext cx="12192000" cy="923330"/>
           </a:xfrm>
           <a:prstGeom prst="rect">
             <a:avLst/>
@@ -3601,28 +4612,56 @@
           </a:bodyPr>
           <a:lstStyle/>
           <a:p>
-            <a:r>
-              <a:rPr lang="en-US" sz="6000" b="1" dirty="0"/>
-              <a:t>2</a:t>
-            </a:r>
-            <a:r>
-              <a:rPr lang="en-US" sz="6000" b="1" dirty="0" smtClean="0"/>
-              <a:t>.</a:t>
-            </a:r>
-            <a:endParaRPr lang="vi-VN" sz="6000" b="1" dirty="0"/>
+            <a:pPr algn="ctr"/>
+            <a:r>
+              <a:rPr lang="en-US" sz="5400" b="1" dirty="0" smtClean="0">
+                <a:solidFill>
+                  <a:srgbClr val="660033"/>
+                </a:solidFill>
+              </a:rPr>
+              <a:t>( </a:t>
+            </a:r>
+            <a:r>
+              <a:rPr lang="en-US" sz="5400" b="1" dirty="0" smtClean="0">
+                <a:solidFill>
+                  <a:srgbClr val="660033"/>
+                </a:solidFill>
+              </a:rPr>
+              <a:t>1 </a:t>
+            </a:r>
+            <a:r>
+              <a:rPr lang="en-US" sz="5400" b="1" dirty="0" smtClean="0">
+                <a:solidFill>
+                  <a:srgbClr val="660033"/>
+                </a:solidFill>
+              </a:rPr>
+              <a:t>)</a:t>
+            </a:r>
+            <a:endParaRPr lang="vi-VN" sz="5400" b="1" dirty="0">
+              <a:solidFill>
+                <a:srgbClr val="660033"/>
+              </a:solidFill>
+            </a:endParaRPr>
           </a:p>
         </p:txBody>
       </p:sp>
     </p:spTree>
     <p:extLst>
       <p:ext uri="{BB962C8B-B14F-4D97-AF65-F5344CB8AC3E}">
-        <p14:creationId xmlns:p14="http://schemas.microsoft.com/office/powerpoint/2010/main" val="932395964"/>
+        <p14:creationId xmlns:p14="http://schemas.microsoft.com/office/powerpoint/2010/main" val="3431730277"/>
       </p:ext>
     </p:extLst>
   </p:cSld>
   <p:clrMapOvr>
     <a:masterClrMapping/>
   </p:clrMapOvr>
+  <p:timing>
+    <p:tnLst>
+      <p:par>
+        <p:cTn id="1" dur="indefinite" restart="never" nodeType="tmRoot"/>
+      </p:par>
+    </p:tnLst>
+  </p:timing>
 </p:sld>
 </file>
 
@@ -3645,133 +4684,67 @@
       </p:grpSpPr>
       <p:sp>
         <p:nvSpPr>
-          <p:cNvPr id="2" name="Title 1"/>
-          <p:cNvSpPr>
-            <a:spLocks noGrp="1"/>
-          </p:cNvSpPr>
-          <p:nvPr>
-            <p:ph type="title"/>
-          </p:nvPr>
-        </p:nvSpPr>
-        <p:spPr/>
-        <p:txBody>
-          <a:bodyPr>
+          <p:cNvPr id="5" name="內容版面配置區 4"/>
+          <p:cNvSpPr>
+            <a:spLocks noGrp="1"/>
+          </p:cNvSpPr>
+          <p:nvPr>
+            <p:ph idx="1"/>
+          </p:nvPr>
+        </p:nvSpPr>
+        <p:spPr>
+          <a:xfrm>
+            <a:off x="0" y="2084851"/>
+            <a:ext cx="12192000" cy="2404863"/>
+          </a:xfrm>
+        </p:spPr>
+        <p:txBody>
+          <a:bodyPr anchor="ctr">
             <a:normAutofit/>
           </a:bodyPr>
           <a:lstStyle/>
           <a:p>
-            <a:r>
-              <a:rPr lang="zh-CN" altLang="en-US" sz="4800" b="1" dirty="0" smtClean="0">
-                <a:latin typeface="Microsoft JhengHei" panose="020B0604030504040204" pitchFamily="34" charset="-120"/>
-                <a:ea typeface="Microsoft JhengHei" panose="020B0604030504040204" pitchFamily="34" charset="-120"/>
-              </a:rPr>
-              <a:t>惟要靠主</a:t>
-            </a:r>
-            <a:endParaRPr lang="vi-VN" sz="4800" b="1" dirty="0">
-              <a:ea typeface="Microsoft JhengHei" panose="020B0604030504040204" pitchFamily="34" charset="-120"/>
+            <a:pPr marL="0" indent="0" algn="ctr">
+              <a:buNone/>
+            </a:pPr>
+            <a:r>
+              <a:rPr lang="zh-CN" altLang="en-US" sz="6400" b="1" dirty="0">
+                <a:solidFill>
+                  <a:srgbClr val="660033"/>
+                </a:solidFill>
+                <a:latin typeface="Microsoft JhengHei" pitchFamily="34" charset="-120"/>
+                <a:ea typeface="Microsoft JhengHei" pitchFamily="34" charset="-120"/>
+              </a:rPr>
+              <a:t>靠主耶穌過今世</a:t>
+            </a:r>
+            <a:endParaRPr lang="en-US" altLang="zh-CN" sz="6400" b="1" dirty="0">
+              <a:solidFill>
+                <a:srgbClr val="660033"/>
+              </a:solidFill>
+              <a:latin typeface="Microsoft JhengHei" pitchFamily="34" charset="-120"/>
+              <a:ea typeface="Microsoft JhengHei" pitchFamily="34" charset="-120"/>
             </a:endParaRPr>
           </a:p>
-        </p:txBody>
-      </p:sp>
-      <p:sp>
-        <p:nvSpPr>
-          <p:cNvPr id="3" name="Content Placeholder 2"/>
-          <p:cNvSpPr>
-            <a:spLocks noGrp="1"/>
-          </p:cNvSpPr>
-          <p:nvPr>
-            <p:ph idx="1"/>
-          </p:nvPr>
-        </p:nvSpPr>
-        <p:spPr/>
-        <p:txBody>
-          <a:bodyPr>
-            <a:normAutofit/>
-          </a:bodyPr>
-          <a:lstStyle/>
           <a:p>
             <a:pPr marL="0" indent="0" algn="ctr">
               <a:buNone/>
             </a:pPr>
             <a:r>
-              <a:rPr lang="zh-CN" altLang="en-US" sz="5400" b="1" dirty="0" smtClean="0">
-                <a:latin typeface="Microsoft JhengHei" panose="020B0604030504040204" pitchFamily="34" charset="-120"/>
-                <a:ea typeface="Microsoft JhengHei" panose="020B0604030504040204" pitchFamily="34" charset="-120"/>
-              </a:rPr>
-              <a:t>靠主耶穌過今世</a:t>
-            </a:r>
-            <a:endParaRPr lang="en-US" altLang="zh-CN" sz="5400" b="1" dirty="0" smtClean="0">
-              <a:latin typeface="Microsoft JhengHei" panose="020B0604030504040204" pitchFamily="34" charset="-120"/>
-              <a:ea typeface="Microsoft JhengHei" panose="020B0604030504040204" pitchFamily="34" charset="-120"/>
-            </a:endParaRPr>
-          </a:p>
-          <a:p>
-            <a:pPr marL="0" indent="0" algn="ctr">
-              <a:buNone/>
-            </a:pPr>
-            <a:r>
-              <a:rPr lang="zh-CN" altLang="en-US" sz="5400" b="1" dirty="0">
-                <a:latin typeface="Microsoft JhengHei" panose="020B0604030504040204" pitchFamily="34" charset="-120"/>
-                <a:ea typeface="Microsoft JhengHei" panose="020B0604030504040204" pitchFamily="34" charset="-120"/>
-              </a:rPr>
-              <a:t>靠主耶</a:t>
-            </a:r>
-            <a:r>
-              <a:rPr lang="zh-CN" altLang="en-US" sz="5400" b="1" dirty="0" smtClean="0">
-                <a:latin typeface="Microsoft JhengHei" panose="020B0604030504040204" pitchFamily="34" charset="-120"/>
-                <a:ea typeface="Microsoft JhengHei" panose="020B0604030504040204" pitchFamily="34" charset="-120"/>
-              </a:rPr>
-              <a:t>穌行萬事</a:t>
-            </a:r>
-            <a:endParaRPr lang="en-US" altLang="zh-CN" sz="5400" b="1" dirty="0" smtClean="0">
-              <a:latin typeface="Microsoft JhengHei" panose="020B0604030504040204" pitchFamily="34" charset="-120"/>
-              <a:ea typeface="Microsoft JhengHei" panose="020B0604030504040204" pitchFamily="34" charset="-120"/>
-            </a:endParaRPr>
-          </a:p>
-          <a:p>
-            <a:pPr marL="0" indent="0" algn="ctr">
-              <a:buNone/>
-            </a:pPr>
-            <a:r>
-              <a:rPr lang="zh-CN" altLang="en-US" sz="5400" b="1" dirty="0">
-                <a:latin typeface="Microsoft JhengHei" panose="020B0604030504040204" pitchFamily="34" charset="-120"/>
-                <a:ea typeface="Microsoft JhengHei" panose="020B0604030504040204" pitchFamily="34" charset="-120"/>
-              </a:rPr>
-              <a:t>無</a:t>
-            </a:r>
-            <a:r>
-              <a:rPr lang="zh-CN" altLang="en-US" sz="5400" b="1" dirty="0" smtClean="0">
-                <a:latin typeface="Microsoft JhengHei" panose="020B0604030504040204" pitchFamily="34" charset="-120"/>
-                <a:ea typeface="Microsoft JhengHei" panose="020B0604030504040204" pitchFamily="34" charset="-120"/>
-              </a:rPr>
-              <a:t>論遇著福或苦</a:t>
-            </a:r>
-            <a:endParaRPr lang="en-US" altLang="zh-CN" sz="5400" b="1" dirty="0" smtClean="0">
-              <a:latin typeface="Microsoft JhengHei" panose="020B0604030504040204" pitchFamily="34" charset="-120"/>
-              <a:ea typeface="Microsoft JhengHei" panose="020B0604030504040204" pitchFamily="34" charset="-120"/>
-            </a:endParaRPr>
-          </a:p>
-          <a:p>
-            <a:pPr marL="0" indent="0" algn="ctr">
-              <a:buNone/>
-            </a:pPr>
-            <a:r>
-              <a:rPr lang="zh-CN" altLang="en-US" sz="5400" b="1" dirty="0">
-                <a:latin typeface="Microsoft JhengHei" panose="020B0604030504040204" pitchFamily="34" charset="-120"/>
-                <a:ea typeface="Microsoft JhengHei" panose="020B0604030504040204" pitchFamily="34" charset="-120"/>
-              </a:rPr>
-              <a:t>惟</a:t>
-            </a:r>
-            <a:r>
-              <a:rPr lang="zh-CN" altLang="en-US" sz="5400" b="1" dirty="0" smtClean="0">
-                <a:latin typeface="Microsoft JhengHei" panose="020B0604030504040204" pitchFamily="34" charset="-120"/>
-                <a:ea typeface="Microsoft JhengHei" panose="020B0604030504040204" pitchFamily="34" charset="-120"/>
-              </a:rPr>
-              <a:t>要信靠我救主</a:t>
-            </a:r>
-            <a:endParaRPr lang="en-US" altLang="zh-CN" sz="5400" b="1" dirty="0" smtClean="0">
-              <a:latin typeface="Microsoft JhengHei" panose="020B0604030504040204" pitchFamily="34" charset="-120"/>
-              <a:ea typeface="Microsoft JhengHei" panose="020B0604030504040204" pitchFamily="34" charset="-120"/>
+              <a:rPr lang="zh-CN" altLang="en-US" sz="6400" b="1" dirty="0">
+                <a:solidFill>
+                  <a:srgbClr val="660033"/>
+                </a:solidFill>
+                <a:latin typeface="Microsoft JhengHei" pitchFamily="34" charset="-120"/>
+                <a:ea typeface="Microsoft JhengHei" pitchFamily="34" charset="-120"/>
+              </a:rPr>
+              <a:t>靠主耶穌行萬事</a:t>
+            </a:r>
+            <a:endParaRPr lang="en-US" altLang="zh-CN" sz="6400" b="1" dirty="0">
+              <a:solidFill>
+                <a:srgbClr val="660033"/>
+              </a:solidFill>
+              <a:latin typeface="Microsoft JhengHei" pitchFamily="34" charset="-120"/>
+              <a:ea typeface="Microsoft JhengHei" pitchFamily="34" charset="-120"/>
             </a:endParaRPr>
           </a:p>
         </p:txBody>
@@ -3779,13 +4752,20 @@
     </p:spTree>
     <p:extLst>
       <p:ext uri="{BB962C8B-B14F-4D97-AF65-F5344CB8AC3E}">
-        <p14:creationId xmlns:p14="http://schemas.microsoft.com/office/powerpoint/2010/main" val="2497033513"/>
+        <p14:creationId xmlns:p14="http://schemas.microsoft.com/office/powerpoint/2010/main" val="3905393777"/>
       </p:ext>
     </p:extLst>
   </p:cSld>
   <p:clrMapOvr>
     <a:masterClrMapping/>
   </p:clrMapOvr>
+  <p:timing>
+    <p:tnLst>
+      <p:par>
+        <p:cTn id="1" dur="indefinite" restart="never" nodeType="tmRoot"/>
+      </p:par>
+    </p:tnLst>
+  </p:timing>
 </p:sld>
 </file>
 
@@ -3808,179 +4788,88 @@
       </p:grpSpPr>
       <p:sp>
         <p:nvSpPr>
-          <p:cNvPr id="2" name="Title 1"/>
-          <p:cNvSpPr>
-            <a:spLocks noGrp="1"/>
-          </p:cNvSpPr>
-          <p:nvPr>
-            <p:ph type="title"/>
-          </p:nvPr>
-        </p:nvSpPr>
-        <p:spPr/>
-        <p:txBody>
-          <a:bodyPr>
+          <p:cNvPr id="5" name="內容版面配置區 4"/>
+          <p:cNvSpPr>
+            <a:spLocks noGrp="1"/>
+          </p:cNvSpPr>
+          <p:nvPr>
+            <p:ph idx="1"/>
+          </p:nvPr>
+        </p:nvSpPr>
+        <p:spPr>
+          <a:xfrm>
+            <a:off x="0" y="2084851"/>
+            <a:ext cx="12192000" cy="2404863"/>
+          </a:xfrm>
+        </p:spPr>
+        <p:txBody>
+          <a:bodyPr anchor="ctr">
             <a:normAutofit/>
           </a:bodyPr>
           <a:lstStyle/>
           <a:p>
-            <a:r>
-              <a:rPr lang="zh-CN" altLang="en-US" sz="4800" b="1" dirty="0" smtClean="0">
-                <a:latin typeface="Microsoft JhengHei" panose="020B0604030504040204" pitchFamily="34" charset="-120"/>
-                <a:ea typeface="Microsoft JhengHei" panose="020B0604030504040204" pitchFamily="34" charset="-120"/>
-              </a:rPr>
-              <a:t>惟要靠主</a:t>
-            </a:r>
-            <a:endParaRPr lang="vi-VN" sz="4800" b="1" dirty="0">
-              <a:ea typeface="Microsoft JhengHei" panose="020B0604030504040204" pitchFamily="34" charset="-120"/>
+            <a:pPr marL="0" indent="0" algn="ctr">
+              <a:buNone/>
+            </a:pPr>
+            <a:r>
+              <a:rPr lang="zh-CN" altLang="en-US" sz="6400" b="1" dirty="0">
+                <a:solidFill>
+                  <a:srgbClr val="660033"/>
+                </a:solidFill>
+                <a:latin typeface="Microsoft JhengHei" pitchFamily="34" charset="-120"/>
+                <a:ea typeface="Microsoft JhengHei" pitchFamily="34" charset="-120"/>
+              </a:rPr>
+              <a:t>無論遇著福或苦</a:t>
+            </a:r>
+            <a:endParaRPr lang="en-US" altLang="zh-CN" sz="6400" b="1" dirty="0">
+              <a:solidFill>
+                <a:srgbClr val="660033"/>
+              </a:solidFill>
+              <a:latin typeface="Microsoft JhengHei" pitchFamily="34" charset="-120"/>
+              <a:ea typeface="Microsoft JhengHei" pitchFamily="34" charset="-120"/>
             </a:endParaRPr>
           </a:p>
-        </p:txBody>
-      </p:sp>
-      <p:sp>
-        <p:nvSpPr>
-          <p:cNvPr id="3" name="Content Placeholder 2"/>
-          <p:cNvSpPr>
-            <a:spLocks noGrp="1"/>
-          </p:cNvSpPr>
-          <p:nvPr>
-            <p:ph idx="1"/>
-          </p:nvPr>
-        </p:nvSpPr>
-        <p:spPr/>
-        <p:txBody>
-          <a:bodyPr>
-            <a:normAutofit/>
-          </a:bodyPr>
-          <a:lstStyle/>
           <a:p>
             <a:pPr marL="0" indent="0" algn="ctr">
               <a:buNone/>
             </a:pPr>
             <a:r>
-              <a:rPr lang="zh-CN" altLang="en-US" sz="5400" b="1" dirty="0" smtClean="0">
-                <a:latin typeface="Microsoft JhengHei" panose="020B0604030504040204" pitchFamily="34" charset="-120"/>
-                <a:ea typeface="Microsoft JhengHei" panose="020B0604030504040204" pitchFamily="34" charset="-120"/>
-              </a:rPr>
-              <a:t>路平安當頌主名</a:t>
-            </a:r>
-            <a:endParaRPr lang="en-US" altLang="zh-CN" sz="5400" b="1" dirty="0" smtClean="0">
-              <a:latin typeface="Microsoft JhengHei" panose="020B0604030504040204" pitchFamily="34" charset="-120"/>
-              <a:ea typeface="Microsoft JhengHei" panose="020B0604030504040204" pitchFamily="34" charset="-120"/>
+              <a:rPr lang="zh-CN" altLang="en-US" sz="6400" b="1" dirty="0">
+                <a:solidFill>
+                  <a:srgbClr val="660033"/>
+                </a:solidFill>
+                <a:latin typeface="Microsoft JhengHei" pitchFamily="34" charset="-120"/>
+                <a:ea typeface="Microsoft JhengHei" pitchFamily="34" charset="-120"/>
+              </a:rPr>
+              <a:t>惟要信靠我救主</a:t>
+            </a:r>
+            <a:endParaRPr lang="en-US" altLang="zh-CN" sz="6400" b="1" dirty="0">
+              <a:solidFill>
+                <a:srgbClr val="660033"/>
+              </a:solidFill>
+              <a:latin typeface="Microsoft JhengHei" pitchFamily="34" charset="-120"/>
+              <a:ea typeface="Microsoft JhengHei" pitchFamily="34" charset="-120"/>
             </a:endParaRPr>
-          </a:p>
-          <a:p>
-            <a:pPr marL="0" indent="0" algn="ctr">
-              <a:buNone/>
-            </a:pPr>
-            <a:r>
-              <a:rPr lang="zh-CN" altLang="en-US" sz="5400" b="1" dirty="0" smtClean="0">
-                <a:latin typeface="Microsoft JhengHei" panose="020B0604030504040204" pitchFamily="34" charset="-120"/>
-                <a:ea typeface="Microsoft JhengHei" panose="020B0604030504040204" pitchFamily="34" charset="-120"/>
-              </a:rPr>
-              <a:t>路黑暗有主同行</a:t>
-            </a:r>
-            <a:endParaRPr lang="en-US" altLang="zh-CN" sz="5400" b="1" dirty="0" smtClean="0">
-              <a:latin typeface="Microsoft JhengHei" panose="020B0604030504040204" pitchFamily="34" charset="-120"/>
-              <a:ea typeface="Microsoft JhengHei" panose="020B0604030504040204" pitchFamily="34" charset="-120"/>
-            </a:endParaRPr>
-          </a:p>
-          <a:p>
-            <a:pPr marL="0" indent="0" algn="ctr">
-              <a:buNone/>
-            </a:pPr>
-            <a:r>
-              <a:rPr lang="zh-CN" altLang="en-US" sz="5400" b="1" dirty="0" smtClean="0">
-                <a:latin typeface="Microsoft JhengHei" panose="020B0604030504040204" pitchFamily="34" charset="-120"/>
-                <a:ea typeface="Microsoft JhengHei" panose="020B0604030504040204" pitchFamily="34" charset="-120"/>
-              </a:rPr>
-              <a:t>遇危險主必保護</a:t>
-            </a:r>
-            <a:endParaRPr lang="en-US" altLang="zh-CN" sz="5400" b="1" dirty="0" smtClean="0">
-              <a:latin typeface="Microsoft JhengHei" panose="020B0604030504040204" pitchFamily="34" charset="-120"/>
-              <a:ea typeface="Microsoft JhengHei" panose="020B0604030504040204" pitchFamily="34" charset="-120"/>
-            </a:endParaRPr>
-          </a:p>
-          <a:p>
-            <a:pPr marL="0" indent="0" algn="ctr">
-              <a:buNone/>
-            </a:pPr>
-            <a:r>
-              <a:rPr lang="zh-CN" altLang="en-US" sz="5400" b="1" dirty="0">
-                <a:latin typeface="Microsoft JhengHei" panose="020B0604030504040204" pitchFamily="34" charset="-120"/>
-                <a:ea typeface="Microsoft JhengHei" panose="020B0604030504040204" pitchFamily="34" charset="-120"/>
-              </a:rPr>
-              <a:t>惟要靠我</a:t>
-            </a:r>
-            <a:r>
-              <a:rPr lang="zh-CN" altLang="en-US" sz="5400" b="1" dirty="0" smtClean="0">
-                <a:latin typeface="Microsoft JhengHei" panose="020B0604030504040204" pitchFamily="34" charset="-120"/>
-                <a:ea typeface="Microsoft JhengHei" panose="020B0604030504040204" pitchFamily="34" charset="-120"/>
-              </a:rPr>
-              <a:t>主</a:t>
-            </a:r>
-            <a:r>
-              <a:rPr lang="zh-CN" altLang="en-US" sz="5400" b="1" dirty="0">
-                <a:latin typeface="Microsoft JhengHei" panose="020B0604030504040204" pitchFamily="34" charset="-120"/>
-                <a:ea typeface="Microsoft JhengHei" panose="020B0604030504040204" pitchFamily="34" charset="-120"/>
-              </a:rPr>
-              <a:t>領路</a:t>
-            </a:r>
-            <a:endParaRPr lang="en-US" altLang="zh-CN" sz="5400" b="1" dirty="0" smtClean="0">
-              <a:latin typeface="Microsoft JhengHei" panose="020B0604030504040204" pitchFamily="34" charset="-120"/>
-              <a:ea typeface="Microsoft JhengHei" panose="020B0604030504040204" pitchFamily="34" charset="-120"/>
-            </a:endParaRPr>
-          </a:p>
-          <a:p>
-            <a:pPr marL="0" indent="0" algn="ctr">
-              <a:buNone/>
-            </a:pPr>
-            <a:endParaRPr lang="en-US" altLang="zh-CN" sz="5400" b="1" dirty="0" smtClean="0">
-              <a:latin typeface="Microsoft JhengHei" panose="020B0604030504040204" pitchFamily="34" charset="-120"/>
-              <a:ea typeface="Microsoft JhengHei" panose="020B0604030504040204" pitchFamily="34" charset="-120"/>
-            </a:endParaRPr>
-          </a:p>
-        </p:txBody>
-      </p:sp>
-      <p:sp>
-        <p:nvSpPr>
-          <p:cNvPr id="4" name="TextBox 3"/>
-          <p:cNvSpPr txBox="1"/>
-          <p:nvPr/>
-        </p:nvSpPr>
-        <p:spPr>
-          <a:xfrm>
-            <a:off x="1668379" y="1600201"/>
-            <a:ext cx="1122947" cy="1015663"/>
-          </a:xfrm>
-          <a:prstGeom prst="rect">
-            <a:avLst/>
-          </a:prstGeom>
-          <a:noFill/>
-        </p:spPr>
-        <p:txBody>
-          <a:bodyPr wrap="square" rtlCol="0">
-            <a:spAutoFit/>
-          </a:bodyPr>
-          <a:lstStyle/>
-          <a:p>
-            <a:r>
-              <a:rPr lang="en-US" sz="6000" b="1" dirty="0" smtClean="0"/>
-              <a:t>3.</a:t>
-            </a:r>
-            <a:endParaRPr lang="vi-VN" sz="6000" b="1" dirty="0"/>
           </a:p>
         </p:txBody>
       </p:sp>
     </p:spTree>
     <p:extLst>
       <p:ext uri="{BB962C8B-B14F-4D97-AF65-F5344CB8AC3E}">
-        <p14:creationId xmlns:p14="http://schemas.microsoft.com/office/powerpoint/2010/main" val="3743951371"/>
+        <p14:creationId xmlns:p14="http://schemas.microsoft.com/office/powerpoint/2010/main" val="3647193704"/>
       </p:ext>
     </p:extLst>
   </p:cSld>
   <p:clrMapOvr>
     <a:masterClrMapping/>
   </p:clrMapOvr>
+  <p:timing>
+    <p:tnLst>
+      <p:par>
+        <p:cTn id="1" dur="indefinite" restart="never" nodeType="tmRoot"/>
+      </p:par>
+    </p:tnLst>
+  </p:timing>
 </p:sld>
 </file>
 
@@ -4003,62 +4892,43 @@
       </p:grpSpPr>
       <p:sp>
         <p:nvSpPr>
-          <p:cNvPr id="2" name="Title 1"/>
-          <p:cNvSpPr>
-            <a:spLocks noGrp="1"/>
-          </p:cNvSpPr>
-          <p:nvPr>
-            <p:ph type="title"/>
-          </p:nvPr>
-        </p:nvSpPr>
-        <p:spPr/>
-        <p:txBody>
-          <a:bodyPr>
+          <p:cNvPr id="5" name="內容版面配置區 4"/>
+          <p:cNvSpPr>
+            <a:spLocks noGrp="1"/>
+          </p:cNvSpPr>
+          <p:nvPr>
+            <p:ph idx="1"/>
+          </p:nvPr>
+        </p:nvSpPr>
+        <p:spPr>
+          <a:xfrm>
+            <a:off x="0" y="2084851"/>
+            <a:ext cx="12192000" cy="2404863"/>
+          </a:xfrm>
+        </p:spPr>
+        <p:txBody>
+          <a:bodyPr anchor="ctr">
             <a:normAutofit/>
           </a:bodyPr>
           <a:lstStyle/>
           <a:p>
-            <a:r>
-              <a:rPr lang="zh-CN" altLang="en-US" sz="4800" b="1" dirty="0" smtClean="0">
+            <a:pPr marL="0" indent="0" algn="ctr">
+              <a:buNone/>
+            </a:pPr>
+            <a:r>
+              <a:rPr lang="zh-CN" altLang="en-US" sz="6600" b="1" dirty="0">
+                <a:solidFill>
+                  <a:srgbClr val="660033"/>
+                </a:solidFill>
                 <a:latin typeface="Microsoft JhengHei" panose="020B0604030504040204" pitchFamily="34" charset="-120"/>
                 <a:ea typeface="Microsoft JhengHei" panose="020B0604030504040204" pitchFamily="34" charset="-120"/>
               </a:rPr>
-              <a:t>惟要靠主</a:t>
-            </a:r>
-            <a:endParaRPr lang="vi-VN" sz="4800" b="1" dirty="0">
-              <a:ea typeface="Microsoft JhengHei" panose="020B0604030504040204" pitchFamily="34" charset="-120"/>
-            </a:endParaRPr>
-          </a:p>
-        </p:txBody>
-      </p:sp>
-      <p:sp>
-        <p:nvSpPr>
-          <p:cNvPr id="3" name="Content Placeholder 2"/>
-          <p:cNvSpPr>
-            <a:spLocks noGrp="1"/>
-          </p:cNvSpPr>
-          <p:nvPr>
-            <p:ph idx="1"/>
-          </p:nvPr>
-        </p:nvSpPr>
-        <p:spPr/>
-        <p:txBody>
-          <a:bodyPr>
-            <a:normAutofit/>
-          </a:bodyPr>
-          <a:lstStyle/>
-          <a:p>
-            <a:pPr marL="0" indent="0" algn="ctr">
-              <a:buNone/>
-            </a:pPr>
-            <a:r>
-              <a:rPr lang="zh-CN" altLang="en-US" sz="5400" b="1" dirty="0" smtClean="0">
-                <a:latin typeface="Microsoft JhengHei" panose="020B0604030504040204" pitchFamily="34" charset="-120"/>
-                <a:ea typeface="Microsoft JhengHei" panose="020B0604030504040204" pitchFamily="34" charset="-120"/>
-              </a:rPr>
-              <a:t>靠主耶穌過今世</a:t>
-            </a:r>
-            <a:endParaRPr lang="en-US" altLang="zh-CN" sz="5400" b="1" dirty="0" smtClean="0">
+              <a:t>今聖靈照亮我心</a:t>
+            </a:r>
+            <a:endParaRPr lang="en-US" altLang="zh-CN" sz="6600" b="1" dirty="0">
+              <a:solidFill>
+                <a:srgbClr val="660033"/>
+              </a:solidFill>
               <a:latin typeface="Microsoft JhengHei" panose="020B0604030504040204" pitchFamily="34" charset="-120"/>
               <a:ea typeface="Microsoft JhengHei" panose="020B0604030504040204" pitchFamily="34" charset="-120"/>
             </a:endParaRPr>
@@ -4068,68 +4938,76 @@
               <a:buNone/>
             </a:pPr>
             <a:r>
-              <a:rPr lang="zh-CN" altLang="en-US" sz="5400" b="1" dirty="0">
+              <a:rPr lang="zh-CN" altLang="en-US" sz="6600" b="1" dirty="0">
+                <a:solidFill>
+                  <a:srgbClr val="660033"/>
+                </a:solidFill>
                 <a:latin typeface="Microsoft JhengHei" panose="020B0604030504040204" pitchFamily="34" charset="-120"/>
                 <a:ea typeface="Microsoft JhengHei" panose="020B0604030504040204" pitchFamily="34" charset="-120"/>
               </a:rPr>
-              <a:t>靠主耶</a:t>
-            </a:r>
-            <a:r>
-              <a:rPr lang="zh-CN" altLang="en-US" sz="5400" b="1" dirty="0" smtClean="0">
-                <a:latin typeface="Microsoft JhengHei" panose="020B0604030504040204" pitchFamily="34" charset="-120"/>
-                <a:ea typeface="Microsoft JhengHei" panose="020B0604030504040204" pitchFamily="34" charset="-120"/>
-              </a:rPr>
-              <a:t>穌行萬事</a:t>
-            </a:r>
-            <a:endParaRPr lang="en-US" altLang="zh-CN" sz="5400" b="1" dirty="0" smtClean="0">
+              <a:t>使我心滿得光明</a:t>
+            </a:r>
+            <a:endParaRPr lang="en-US" altLang="zh-CN" sz="6600" b="1" dirty="0">
+              <a:solidFill>
+                <a:srgbClr val="660033"/>
+              </a:solidFill>
               <a:latin typeface="Microsoft JhengHei" panose="020B0604030504040204" pitchFamily="34" charset="-120"/>
               <a:ea typeface="Microsoft JhengHei" panose="020B0604030504040204" pitchFamily="34" charset="-120"/>
             </a:endParaRPr>
           </a:p>
-          <a:p>
-            <a:pPr marL="0" indent="0" algn="ctr">
-              <a:buNone/>
-            </a:pPr>
-            <a:r>
-              <a:rPr lang="zh-CN" altLang="en-US" sz="5400" b="1" dirty="0">
-                <a:latin typeface="Microsoft JhengHei" panose="020B0604030504040204" pitchFamily="34" charset="-120"/>
-                <a:ea typeface="Microsoft JhengHei" panose="020B0604030504040204" pitchFamily="34" charset="-120"/>
-              </a:rPr>
-              <a:t>無</a:t>
-            </a:r>
-            <a:r>
-              <a:rPr lang="zh-CN" altLang="en-US" sz="5400" b="1" dirty="0" smtClean="0">
-                <a:latin typeface="Microsoft JhengHei" panose="020B0604030504040204" pitchFamily="34" charset="-120"/>
-                <a:ea typeface="Microsoft JhengHei" panose="020B0604030504040204" pitchFamily="34" charset="-120"/>
-              </a:rPr>
-              <a:t>論遇著福或苦</a:t>
-            </a:r>
-            <a:endParaRPr lang="en-US" altLang="zh-CN" sz="5400" b="1" dirty="0" smtClean="0">
-              <a:latin typeface="Microsoft JhengHei" panose="020B0604030504040204" pitchFamily="34" charset="-120"/>
-              <a:ea typeface="Microsoft JhengHei" panose="020B0604030504040204" pitchFamily="34" charset="-120"/>
-            </a:endParaRPr>
-          </a:p>
-          <a:p>
-            <a:pPr marL="0" indent="0" algn="ctr">
-              <a:buNone/>
-            </a:pPr>
-            <a:r>
-              <a:rPr lang="zh-CN" altLang="en-US" sz="5400" b="1" dirty="0">
-                <a:latin typeface="Microsoft JhengHei" panose="020B0604030504040204" pitchFamily="34" charset="-120"/>
-                <a:ea typeface="Microsoft JhengHei" panose="020B0604030504040204" pitchFamily="34" charset="-120"/>
-              </a:rPr>
-              <a:t>惟</a:t>
-            </a:r>
-            <a:r>
-              <a:rPr lang="zh-CN" altLang="en-US" sz="5400" b="1" dirty="0" smtClean="0">
-                <a:latin typeface="Microsoft JhengHei" panose="020B0604030504040204" pitchFamily="34" charset="-120"/>
-                <a:ea typeface="Microsoft JhengHei" panose="020B0604030504040204" pitchFamily="34" charset="-120"/>
-              </a:rPr>
-              <a:t>要信靠我救主</a:t>
-            </a:r>
-            <a:endParaRPr lang="en-US" altLang="zh-CN" sz="5400" b="1" dirty="0" smtClean="0">
-              <a:latin typeface="Microsoft JhengHei" panose="020B0604030504040204" pitchFamily="34" charset="-120"/>
-              <a:ea typeface="Microsoft JhengHei" panose="020B0604030504040204" pitchFamily="34" charset="-120"/>
+        </p:txBody>
+      </p:sp>
+      <p:sp>
+        <p:nvSpPr>
+          <p:cNvPr id="3" name="TextBox 2"/>
+          <p:cNvSpPr txBox="1"/>
+          <p:nvPr/>
+        </p:nvSpPr>
+        <p:spPr>
+          <a:xfrm>
+            <a:off x="0" y="5071885"/>
+            <a:ext cx="12192000" cy="923330"/>
+          </a:xfrm>
+          <a:prstGeom prst="rect">
+            <a:avLst/>
+          </a:prstGeom>
+          <a:noFill/>
+        </p:spPr>
+        <p:txBody>
+          <a:bodyPr wrap="square" rtlCol="0">
+            <a:spAutoFit/>
+          </a:bodyPr>
+          <a:lstStyle/>
+          <a:p>
+            <a:pPr algn="ctr"/>
+            <a:r>
+              <a:rPr lang="en-US" sz="5400" b="1" dirty="0" smtClean="0">
+                <a:solidFill>
+                  <a:srgbClr val="660033"/>
+                </a:solidFill>
+              </a:rPr>
+              <a:t>( </a:t>
+            </a:r>
+            <a:r>
+              <a:rPr lang="en-US" sz="5400" b="1" dirty="0" smtClean="0">
+                <a:solidFill>
+                  <a:srgbClr val="660033"/>
+                </a:solidFill>
+              </a:rPr>
+              <a:t>2 </a:t>
+            </a:r>
+            <a:r>
+              <a:rPr lang="en-US" sz="5400" b="1" dirty="0" smtClean="0">
+                <a:solidFill>
+                  <a:srgbClr val="660033"/>
+                </a:solidFill>
+              </a:rPr>
+              <a:t>)</a:t>
+            </a:r>
+            <a:endParaRPr lang="vi-VN" sz="5400" b="1" dirty="0">
+              <a:solidFill>
+                <a:srgbClr val="660033"/>
+              </a:solidFill>
             </a:endParaRPr>
           </a:p>
         </p:txBody>
@@ -4137,13 +5015,20 @@
     </p:spTree>
     <p:extLst>
       <p:ext uri="{BB962C8B-B14F-4D97-AF65-F5344CB8AC3E}">
-        <p14:creationId xmlns:p14="http://schemas.microsoft.com/office/powerpoint/2010/main" val="3702144152"/>
+        <p14:creationId xmlns:p14="http://schemas.microsoft.com/office/powerpoint/2010/main" val="192868216"/>
       </p:ext>
     </p:extLst>
   </p:cSld>
   <p:clrMapOvr>
     <a:masterClrMapping/>
   </p:clrMapOvr>
+  <p:timing>
+    <p:tnLst>
+      <p:par>
+        <p:cTn id="1" dur="indefinite" restart="never" nodeType="tmRoot"/>
+      </p:par>
+    </p:tnLst>
+  </p:timing>
 </p:sld>
 </file>
 
@@ -4166,62 +5051,43 @@
       </p:grpSpPr>
       <p:sp>
         <p:nvSpPr>
-          <p:cNvPr id="2" name="Title 1"/>
-          <p:cNvSpPr>
-            <a:spLocks noGrp="1"/>
-          </p:cNvSpPr>
-          <p:nvPr>
-            <p:ph type="title"/>
-          </p:nvPr>
-        </p:nvSpPr>
-        <p:spPr/>
-        <p:txBody>
-          <a:bodyPr>
+          <p:cNvPr id="5" name="內容版面配置區 4"/>
+          <p:cNvSpPr>
+            <a:spLocks noGrp="1"/>
+          </p:cNvSpPr>
+          <p:nvPr>
+            <p:ph idx="1"/>
+          </p:nvPr>
+        </p:nvSpPr>
+        <p:spPr>
+          <a:xfrm>
+            <a:off x="0" y="2084851"/>
+            <a:ext cx="12192000" cy="2404863"/>
+          </a:xfrm>
+        </p:spPr>
+        <p:txBody>
+          <a:bodyPr anchor="ctr">
             <a:normAutofit/>
           </a:bodyPr>
           <a:lstStyle/>
           <a:p>
-            <a:r>
-              <a:rPr lang="zh-CN" altLang="en-US" sz="4800" b="1" dirty="0" smtClean="0">
+            <a:pPr marL="0" indent="0" algn="ctr">
+              <a:buNone/>
+            </a:pPr>
+            <a:r>
+              <a:rPr lang="zh-CN" altLang="en-US" sz="6600" b="1" dirty="0">
+                <a:solidFill>
+                  <a:srgbClr val="660033"/>
+                </a:solidFill>
                 <a:latin typeface="Microsoft JhengHei" panose="020B0604030504040204" pitchFamily="34" charset="-120"/>
                 <a:ea typeface="Microsoft JhengHei" panose="020B0604030504040204" pitchFamily="34" charset="-120"/>
               </a:rPr>
-              <a:t>惟要靠主</a:t>
-            </a:r>
-            <a:endParaRPr lang="vi-VN" sz="4800" b="1" dirty="0">
-              <a:ea typeface="Microsoft JhengHei" panose="020B0604030504040204" pitchFamily="34" charset="-120"/>
-            </a:endParaRPr>
-          </a:p>
-        </p:txBody>
-      </p:sp>
-      <p:sp>
-        <p:nvSpPr>
-          <p:cNvPr id="3" name="Content Placeholder 2"/>
-          <p:cNvSpPr>
-            <a:spLocks noGrp="1"/>
-          </p:cNvSpPr>
-          <p:nvPr>
-            <p:ph idx="1"/>
-          </p:nvPr>
-        </p:nvSpPr>
-        <p:spPr/>
-        <p:txBody>
-          <a:bodyPr>
-            <a:normAutofit/>
-          </a:bodyPr>
-          <a:lstStyle/>
-          <a:p>
-            <a:pPr marL="0" indent="0" algn="ctr">
-              <a:buNone/>
-            </a:pPr>
-            <a:r>
-              <a:rPr lang="zh-CN" altLang="en-US" sz="5400" b="1" dirty="0" smtClean="0">
-                <a:latin typeface="Microsoft JhengHei" panose="020B0604030504040204" pitchFamily="34" charset="-120"/>
-                <a:ea typeface="Microsoft JhengHei" panose="020B0604030504040204" pitchFamily="34" charset="-120"/>
-              </a:rPr>
-              <a:t>靠主耶穌過今世</a:t>
-            </a:r>
-            <a:endParaRPr lang="en-US" altLang="zh-CN" sz="5400" b="1" dirty="0" smtClean="0">
+              <a:t>救主領我走正路</a:t>
+            </a:r>
+            <a:endParaRPr lang="en-US" altLang="zh-CN" sz="6600" b="1" dirty="0">
+              <a:solidFill>
+                <a:srgbClr val="660033"/>
+              </a:solidFill>
               <a:latin typeface="Microsoft JhengHei" panose="020B0604030504040204" pitchFamily="34" charset="-120"/>
               <a:ea typeface="Microsoft JhengHei" panose="020B0604030504040204" pitchFamily="34" charset="-120"/>
             </a:endParaRPr>
@@ -4231,68 +5097,35 @@
               <a:buNone/>
             </a:pPr>
             <a:r>
-              <a:rPr lang="zh-CN" altLang="en-US" sz="5400" b="1" dirty="0">
+              <a:rPr lang="zh-CN" altLang="en-US" sz="6600" b="1" dirty="0">
+                <a:solidFill>
+                  <a:srgbClr val="660033"/>
+                </a:solidFill>
                 <a:latin typeface="Microsoft JhengHei" panose="020B0604030504040204" pitchFamily="34" charset="-120"/>
                 <a:ea typeface="Microsoft JhengHei" panose="020B0604030504040204" pitchFamily="34" charset="-120"/>
               </a:rPr>
-              <a:t>靠主耶穌行萬事</a:t>
-            </a:r>
-            <a:endParaRPr lang="en-US" altLang="zh-CN" sz="5400" b="1" dirty="0">
+              <a:t>惟要靠我主保護</a:t>
+            </a:r>
+            <a:endParaRPr lang="en-US" altLang="zh-CN" sz="6600" b="1" dirty="0">
+              <a:solidFill>
+                <a:srgbClr val="660033"/>
+              </a:solidFill>
               <a:latin typeface="Microsoft JhengHei" panose="020B0604030504040204" pitchFamily="34" charset="-120"/>
               <a:ea typeface="Microsoft JhengHei" panose="020B0604030504040204" pitchFamily="34" charset="-120"/>
             </a:endParaRPr>
           </a:p>
-          <a:p>
-            <a:pPr marL="0" indent="0" algn="ctr">
-              <a:buNone/>
-            </a:pPr>
-            <a:r>
-              <a:rPr lang="zh-CN" altLang="en-US" sz="5400" b="1" dirty="0" smtClean="0">
-                <a:latin typeface="Microsoft JhengHei" panose="020B0604030504040204" pitchFamily="34" charset="-120"/>
-                <a:ea typeface="Microsoft JhengHei" panose="020B0604030504040204" pitchFamily="34" charset="-120"/>
-              </a:rPr>
-              <a:t>等我歸到安樂處</a:t>
-            </a:r>
-            <a:endParaRPr lang="en-US" altLang="zh-CN" sz="5400" b="1" dirty="0" smtClean="0">
-              <a:latin typeface="Microsoft JhengHei" panose="020B0604030504040204" pitchFamily="34" charset="-120"/>
-              <a:ea typeface="Microsoft JhengHei" panose="020B0604030504040204" pitchFamily="34" charset="-120"/>
-            </a:endParaRPr>
-          </a:p>
-          <a:p>
-            <a:pPr marL="0" indent="0" algn="ctr">
-              <a:buNone/>
-            </a:pPr>
-            <a:r>
-              <a:rPr lang="zh-CN" altLang="en-US" sz="5400" b="1" dirty="0">
-                <a:latin typeface="Microsoft JhengHei" panose="020B0604030504040204" pitchFamily="34" charset="-120"/>
-                <a:ea typeface="Microsoft JhengHei" panose="020B0604030504040204" pitchFamily="34" charset="-120"/>
-              </a:rPr>
-              <a:t>惟</a:t>
-            </a:r>
-            <a:r>
-              <a:rPr lang="zh-CN" altLang="en-US" sz="5400" b="1" dirty="0" smtClean="0">
-                <a:latin typeface="Microsoft JhengHei" panose="020B0604030504040204" pitchFamily="34" charset="-120"/>
-                <a:ea typeface="Microsoft JhengHei" panose="020B0604030504040204" pitchFamily="34" charset="-120"/>
-              </a:rPr>
-              <a:t>要依靠我救主</a:t>
-            </a:r>
-            <a:endParaRPr lang="en-US" altLang="zh-CN" sz="5400" b="1" dirty="0" smtClean="0">
-              <a:latin typeface="Microsoft JhengHei" panose="020B0604030504040204" pitchFamily="34" charset="-120"/>
-              <a:ea typeface="Microsoft JhengHei" panose="020B0604030504040204" pitchFamily="34" charset="-120"/>
-            </a:endParaRPr>
-          </a:p>
-        </p:txBody>
-      </p:sp>
-      <p:sp>
-        <p:nvSpPr>
-          <p:cNvPr id="4" name="TextBox 3"/>
+        </p:txBody>
+      </p:sp>
+      <p:sp>
+        <p:nvSpPr>
+          <p:cNvPr id="3" name="TextBox 2"/>
           <p:cNvSpPr txBox="1"/>
           <p:nvPr/>
         </p:nvSpPr>
         <p:spPr>
           <a:xfrm>
-            <a:off x="1668379" y="1600201"/>
-            <a:ext cx="1122947" cy="1015663"/>
+            <a:off x="0" y="5071885"/>
+            <a:ext cx="12192000" cy="923330"/>
           </a:xfrm>
           <a:prstGeom prst="rect">
             <a:avLst/>
@@ -4305,28 +5138,56 @@
           </a:bodyPr>
           <a:lstStyle/>
           <a:p>
-            <a:r>
-              <a:rPr lang="en-US" sz="6000" b="1" dirty="0"/>
-              <a:t>4</a:t>
-            </a:r>
-            <a:r>
-              <a:rPr lang="en-US" sz="6000" b="1" dirty="0" smtClean="0"/>
-              <a:t>.</a:t>
-            </a:r>
-            <a:endParaRPr lang="vi-VN" sz="6000" b="1" dirty="0"/>
+            <a:pPr algn="ctr"/>
+            <a:r>
+              <a:rPr lang="en-US" sz="5400" b="1" dirty="0" smtClean="0">
+                <a:solidFill>
+                  <a:srgbClr val="660033"/>
+                </a:solidFill>
+              </a:rPr>
+              <a:t>( </a:t>
+            </a:r>
+            <a:r>
+              <a:rPr lang="en-US" sz="5400" b="1" dirty="0" smtClean="0">
+                <a:solidFill>
+                  <a:srgbClr val="660033"/>
+                </a:solidFill>
+              </a:rPr>
+              <a:t>2 </a:t>
+            </a:r>
+            <a:r>
+              <a:rPr lang="en-US" sz="5400" b="1" dirty="0" smtClean="0">
+                <a:solidFill>
+                  <a:srgbClr val="660033"/>
+                </a:solidFill>
+              </a:rPr>
+              <a:t>)</a:t>
+            </a:r>
+            <a:endParaRPr lang="vi-VN" sz="5400" b="1" dirty="0">
+              <a:solidFill>
+                <a:srgbClr val="660033"/>
+              </a:solidFill>
+            </a:endParaRPr>
           </a:p>
         </p:txBody>
       </p:sp>
     </p:spTree>
     <p:extLst>
       <p:ext uri="{BB962C8B-B14F-4D97-AF65-F5344CB8AC3E}">
-        <p14:creationId xmlns:p14="http://schemas.microsoft.com/office/powerpoint/2010/main" val="2028077318"/>
+        <p14:creationId xmlns:p14="http://schemas.microsoft.com/office/powerpoint/2010/main" val="1806717798"/>
       </p:ext>
     </p:extLst>
   </p:cSld>
   <p:clrMapOvr>
     <a:masterClrMapping/>
   </p:clrMapOvr>
+  <p:timing>
+    <p:tnLst>
+      <p:par>
+        <p:cTn id="1" dur="indefinite" restart="never" nodeType="tmRoot"/>
+      </p:par>
+    </p:tnLst>
+  </p:timing>
 </p:sld>
 </file>
 
@@ -4349,133 +5210,67 @@
       </p:grpSpPr>
       <p:sp>
         <p:nvSpPr>
-          <p:cNvPr id="2" name="Title 1"/>
-          <p:cNvSpPr>
-            <a:spLocks noGrp="1"/>
-          </p:cNvSpPr>
-          <p:nvPr>
-            <p:ph type="title"/>
-          </p:nvPr>
-        </p:nvSpPr>
-        <p:spPr/>
-        <p:txBody>
-          <a:bodyPr>
+          <p:cNvPr id="5" name="內容版面配置區 4"/>
+          <p:cNvSpPr>
+            <a:spLocks noGrp="1"/>
+          </p:cNvSpPr>
+          <p:nvPr>
+            <p:ph idx="1"/>
+          </p:nvPr>
+        </p:nvSpPr>
+        <p:spPr>
+          <a:xfrm>
+            <a:off x="0" y="2084851"/>
+            <a:ext cx="12192000" cy="2404863"/>
+          </a:xfrm>
+        </p:spPr>
+        <p:txBody>
+          <a:bodyPr anchor="ctr">
             <a:normAutofit/>
           </a:bodyPr>
           <a:lstStyle/>
           <a:p>
-            <a:r>
-              <a:rPr lang="zh-CN" altLang="en-US" sz="4800" b="1" dirty="0" smtClean="0">
-                <a:latin typeface="Microsoft JhengHei" panose="020B0604030504040204" pitchFamily="34" charset="-120"/>
-                <a:ea typeface="Microsoft JhengHei" panose="020B0604030504040204" pitchFamily="34" charset="-120"/>
-              </a:rPr>
-              <a:t>惟要靠主</a:t>
-            </a:r>
-            <a:endParaRPr lang="vi-VN" sz="4800" b="1" dirty="0">
-              <a:ea typeface="Microsoft JhengHei" panose="020B0604030504040204" pitchFamily="34" charset="-120"/>
+            <a:pPr marL="0" indent="0" algn="ctr">
+              <a:buNone/>
+            </a:pPr>
+            <a:r>
+              <a:rPr lang="zh-CN" altLang="en-US" sz="6400" b="1" dirty="0">
+                <a:solidFill>
+                  <a:srgbClr val="660033"/>
+                </a:solidFill>
+                <a:latin typeface="Microsoft JhengHei" pitchFamily="34" charset="-120"/>
+                <a:ea typeface="Microsoft JhengHei" pitchFamily="34" charset="-120"/>
+              </a:rPr>
+              <a:t>靠主耶穌過今世</a:t>
+            </a:r>
+            <a:endParaRPr lang="en-US" altLang="zh-CN" sz="6400" b="1" dirty="0">
+              <a:solidFill>
+                <a:srgbClr val="660033"/>
+              </a:solidFill>
+              <a:latin typeface="Microsoft JhengHei" pitchFamily="34" charset="-120"/>
+              <a:ea typeface="Microsoft JhengHei" pitchFamily="34" charset="-120"/>
             </a:endParaRPr>
           </a:p>
-        </p:txBody>
-      </p:sp>
-      <p:sp>
-        <p:nvSpPr>
-          <p:cNvPr id="3" name="Content Placeholder 2"/>
-          <p:cNvSpPr>
-            <a:spLocks noGrp="1"/>
-          </p:cNvSpPr>
-          <p:nvPr>
-            <p:ph idx="1"/>
-          </p:nvPr>
-        </p:nvSpPr>
-        <p:spPr/>
-        <p:txBody>
-          <a:bodyPr>
-            <a:normAutofit/>
-          </a:bodyPr>
-          <a:lstStyle/>
           <a:p>
             <a:pPr marL="0" indent="0" algn="ctr">
               <a:buNone/>
             </a:pPr>
             <a:r>
-              <a:rPr lang="zh-CN" altLang="en-US" sz="5400" b="1" dirty="0" smtClean="0">
-                <a:latin typeface="Microsoft JhengHei" panose="020B0604030504040204" pitchFamily="34" charset="-120"/>
-                <a:ea typeface="Microsoft JhengHei" panose="020B0604030504040204" pitchFamily="34" charset="-120"/>
-              </a:rPr>
-              <a:t>靠主耶穌過今世</a:t>
-            </a:r>
-            <a:endParaRPr lang="en-US" altLang="zh-CN" sz="5400" b="1" dirty="0" smtClean="0">
-              <a:latin typeface="Microsoft JhengHei" panose="020B0604030504040204" pitchFamily="34" charset="-120"/>
-              <a:ea typeface="Microsoft JhengHei" panose="020B0604030504040204" pitchFamily="34" charset="-120"/>
-            </a:endParaRPr>
-          </a:p>
-          <a:p>
-            <a:pPr marL="0" indent="0" algn="ctr">
-              <a:buNone/>
-            </a:pPr>
-            <a:r>
-              <a:rPr lang="zh-CN" altLang="en-US" sz="5400" b="1" dirty="0">
-                <a:latin typeface="Microsoft JhengHei" panose="020B0604030504040204" pitchFamily="34" charset="-120"/>
-                <a:ea typeface="Microsoft JhengHei" panose="020B0604030504040204" pitchFamily="34" charset="-120"/>
-              </a:rPr>
-              <a:t>靠主耶</a:t>
-            </a:r>
-            <a:r>
-              <a:rPr lang="zh-CN" altLang="en-US" sz="5400" b="1" dirty="0" smtClean="0">
-                <a:latin typeface="Microsoft JhengHei" panose="020B0604030504040204" pitchFamily="34" charset="-120"/>
-                <a:ea typeface="Microsoft JhengHei" panose="020B0604030504040204" pitchFamily="34" charset="-120"/>
-              </a:rPr>
-              <a:t>穌行萬事</a:t>
-            </a:r>
-            <a:endParaRPr lang="en-US" altLang="zh-CN" sz="5400" b="1" dirty="0" smtClean="0">
-              <a:latin typeface="Microsoft JhengHei" panose="020B0604030504040204" pitchFamily="34" charset="-120"/>
-              <a:ea typeface="Microsoft JhengHei" panose="020B0604030504040204" pitchFamily="34" charset="-120"/>
-            </a:endParaRPr>
-          </a:p>
-          <a:p>
-            <a:pPr marL="0" indent="0" algn="ctr">
-              <a:buNone/>
-            </a:pPr>
-            <a:r>
-              <a:rPr lang="zh-CN" altLang="en-US" sz="5400" b="1" dirty="0">
-                <a:latin typeface="Microsoft JhengHei" panose="020B0604030504040204" pitchFamily="34" charset="-120"/>
-                <a:ea typeface="Microsoft JhengHei" panose="020B0604030504040204" pitchFamily="34" charset="-120"/>
-              </a:rPr>
-              <a:t>無</a:t>
-            </a:r>
-            <a:r>
-              <a:rPr lang="zh-CN" altLang="en-US" sz="5400" b="1" dirty="0" smtClean="0">
-                <a:latin typeface="Microsoft JhengHei" panose="020B0604030504040204" pitchFamily="34" charset="-120"/>
-                <a:ea typeface="Microsoft JhengHei" panose="020B0604030504040204" pitchFamily="34" charset="-120"/>
-              </a:rPr>
-              <a:t>論遇著福或苦</a:t>
-            </a:r>
-            <a:endParaRPr lang="en-US" altLang="zh-CN" sz="5400" b="1" dirty="0" smtClean="0">
-              <a:latin typeface="Microsoft JhengHei" panose="020B0604030504040204" pitchFamily="34" charset="-120"/>
-              <a:ea typeface="Microsoft JhengHei" panose="020B0604030504040204" pitchFamily="34" charset="-120"/>
-            </a:endParaRPr>
-          </a:p>
-          <a:p>
-            <a:pPr marL="0" indent="0" algn="ctr">
-              <a:buNone/>
-            </a:pPr>
-            <a:r>
-              <a:rPr lang="zh-CN" altLang="en-US" sz="5400" b="1" dirty="0">
-                <a:latin typeface="Microsoft JhengHei" panose="020B0604030504040204" pitchFamily="34" charset="-120"/>
-                <a:ea typeface="Microsoft JhengHei" panose="020B0604030504040204" pitchFamily="34" charset="-120"/>
-              </a:rPr>
-              <a:t>惟</a:t>
-            </a:r>
-            <a:r>
-              <a:rPr lang="zh-CN" altLang="en-US" sz="5400" b="1" dirty="0" smtClean="0">
-                <a:latin typeface="Microsoft JhengHei" panose="020B0604030504040204" pitchFamily="34" charset="-120"/>
-                <a:ea typeface="Microsoft JhengHei" panose="020B0604030504040204" pitchFamily="34" charset="-120"/>
-              </a:rPr>
-              <a:t>要信靠我救主</a:t>
-            </a:r>
-            <a:endParaRPr lang="en-US" altLang="zh-CN" sz="5400" b="1" dirty="0" smtClean="0">
-              <a:latin typeface="Microsoft JhengHei" panose="020B0604030504040204" pitchFamily="34" charset="-120"/>
-              <a:ea typeface="Microsoft JhengHei" panose="020B0604030504040204" pitchFamily="34" charset="-120"/>
+              <a:rPr lang="zh-CN" altLang="en-US" sz="6400" b="1" dirty="0">
+                <a:solidFill>
+                  <a:srgbClr val="660033"/>
+                </a:solidFill>
+                <a:latin typeface="Microsoft JhengHei" pitchFamily="34" charset="-120"/>
+                <a:ea typeface="Microsoft JhengHei" pitchFamily="34" charset="-120"/>
+              </a:rPr>
+              <a:t>靠主耶穌行萬事</a:t>
+            </a:r>
+            <a:endParaRPr lang="en-US" altLang="zh-CN" sz="6400" b="1" dirty="0">
+              <a:solidFill>
+                <a:srgbClr val="660033"/>
+              </a:solidFill>
+              <a:latin typeface="Microsoft JhengHei" pitchFamily="34" charset="-120"/>
+              <a:ea typeface="Microsoft JhengHei" pitchFamily="34" charset="-120"/>
             </a:endParaRPr>
           </a:p>
         </p:txBody>
@@ -4483,13 +5278,124 @@
     </p:spTree>
     <p:extLst>
       <p:ext uri="{BB962C8B-B14F-4D97-AF65-F5344CB8AC3E}">
-        <p14:creationId xmlns:p14="http://schemas.microsoft.com/office/powerpoint/2010/main" val="2434816494"/>
+        <p14:creationId xmlns:p14="http://schemas.microsoft.com/office/powerpoint/2010/main" val="1827239438"/>
       </p:ext>
     </p:extLst>
   </p:cSld>
   <p:clrMapOvr>
     <a:masterClrMapping/>
   </p:clrMapOvr>
+  <p:timing>
+    <p:tnLst>
+      <p:par>
+        <p:cTn id="1" dur="indefinite" restart="never" nodeType="tmRoot"/>
+      </p:par>
+    </p:tnLst>
+  </p:timing>
+</p:sld>
+</file>
+
+<file path=ppt/slides/slide9.xml><?xml version="1.0" encoding="utf-8"?>
+<p:sld xmlns:a="http://schemas.openxmlformats.org/drawingml/2006/main" xmlns:r="http://schemas.openxmlformats.org/officeDocument/2006/relationships" xmlns:p="http://schemas.openxmlformats.org/presentationml/2006/main">
+  <p:cSld>
+    <p:spTree>
+      <p:nvGrpSpPr>
+        <p:cNvPr id="1" name=""/>
+        <p:cNvGrpSpPr/>
+        <p:nvPr/>
+      </p:nvGrpSpPr>
+      <p:grpSpPr>
+        <a:xfrm>
+          <a:off x="0" y="0"/>
+          <a:ext cx="0" cy="0"/>
+          <a:chOff x="0" y="0"/>
+          <a:chExt cx="0" cy="0"/>
+        </a:xfrm>
+      </p:grpSpPr>
+      <p:sp>
+        <p:nvSpPr>
+          <p:cNvPr id="5" name="內容版面配置區 4"/>
+          <p:cNvSpPr>
+            <a:spLocks noGrp="1"/>
+          </p:cNvSpPr>
+          <p:nvPr>
+            <p:ph idx="1"/>
+          </p:nvPr>
+        </p:nvSpPr>
+        <p:spPr>
+          <a:xfrm>
+            <a:off x="0" y="2084851"/>
+            <a:ext cx="12192000" cy="2404863"/>
+          </a:xfrm>
+        </p:spPr>
+        <p:txBody>
+          <a:bodyPr anchor="ctr">
+            <a:normAutofit/>
+          </a:bodyPr>
+          <a:lstStyle/>
+          <a:p>
+            <a:pPr marL="0" indent="0" algn="ctr">
+              <a:buNone/>
+            </a:pPr>
+            <a:r>
+              <a:rPr lang="zh-CN" altLang="en-US" sz="6400" b="1" dirty="0">
+                <a:solidFill>
+                  <a:srgbClr val="660033"/>
+                </a:solidFill>
+                <a:latin typeface="Microsoft JhengHei" pitchFamily="34" charset="-120"/>
+                <a:ea typeface="Microsoft JhengHei" pitchFamily="34" charset="-120"/>
+              </a:rPr>
+              <a:t>無論遇著福或苦</a:t>
+            </a:r>
+            <a:endParaRPr lang="en-US" altLang="zh-CN" sz="6400" b="1" dirty="0">
+              <a:solidFill>
+                <a:srgbClr val="660033"/>
+              </a:solidFill>
+              <a:latin typeface="Microsoft JhengHei" pitchFamily="34" charset="-120"/>
+              <a:ea typeface="Microsoft JhengHei" pitchFamily="34" charset="-120"/>
+            </a:endParaRPr>
+          </a:p>
+          <a:p>
+            <a:pPr marL="0" indent="0" algn="ctr">
+              <a:buNone/>
+            </a:pPr>
+            <a:r>
+              <a:rPr lang="zh-CN" altLang="en-US" sz="6400" b="1" dirty="0">
+                <a:solidFill>
+                  <a:srgbClr val="660033"/>
+                </a:solidFill>
+                <a:latin typeface="Microsoft JhengHei" pitchFamily="34" charset="-120"/>
+                <a:ea typeface="Microsoft JhengHei" pitchFamily="34" charset="-120"/>
+              </a:rPr>
+              <a:t>惟要信靠我救主</a:t>
+            </a:r>
+            <a:endParaRPr lang="en-US" altLang="zh-CN" sz="6400" b="1" dirty="0">
+              <a:solidFill>
+                <a:srgbClr val="660033"/>
+              </a:solidFill>
+              <a:latin typeface="Microsoft JhengHei" pitchFamily="34" charset="-120"/>
+              <a:ea typeface="Microsoft JhengHei" pitchFamily="34" charset="-120"/>
+            </a:endParaRPr>
+          </a:p>
+        </p:txBody>
+      </p:sp>
+    </p:spTree>
+    <p:extLst>
+      <p:ext uri="{BB962C8B-B14F-4D97-AF65-F5344CB8AC3E}">
+        <p14:creationId xmlns:p14="http://schemas.microsoft.com/office/powerpoint/2010/main" val="2023493964"/>
+      </p:ext>
+    </p:extLst>
+  </p:cSld>
+  <p:clrMapOvr>
+    <a:masterClrMapping/>
+  </p:clrMapOvr>
+  <p:timing>
+    <p:tnLst>
+      <p:par>
+        <p:cTn id="1" dur="indefinite" restart="never" nodeType="tmRoot"/>
+      </p:par>
+    </p:tnLst>
+  </p:timing>
 </p:sld>
 </file>
 
